--- a/JSP PPT/第01章 Web技术概述.pptx
+++ b/JSP PPT/第01章 Web技术概述.pptx
@@ -15,7 +15,8 @@
     <p:sldId id="273" r:id="rId9"/>
     <p:sldId id="276" r:id="rId10"/>
     <p:sldId id="274" r:id="rId11"/>
-    <p:sldId id="275" r:id="rId12"/>
+    <p:sldId id="278" r:id="rId12"/>
+    <p:sldId id="275" r:id="rId13"/>
   </p:sldIdLst>
   <p:sldSz cx="9144000" cy="5143500" type="screen16x9"/>
   <p:notesSz cx="6858000" cy="9144000"/>
@@ -4615,6 +4616,753 @@
 </dgm:colorsDef>
 </file>
 
+<file path=ppt/diagrams/colors7.xml><?xml version="1.0" encoding="utf-8"?>
+<dgm:colorsDef xmlns:dgm="http://schemas.openxmlformats.org/drawingml/2006/diagram" xmlns:a="http://schemas.openxmlformats.org/drawingml/2006/main" uniqueId="urn:microsoft.com/office/officeart/2005/8/colors/accent1_2">
+  <dgm:title val=""/>
+  <dgm:desc val=""/>
+  <dgm:catLst>
+    <dgm:cat type="accent1" pri="11200"/>
+  </dgm:catLst>
+  <dgm:styleLbl name="node0">
+    <dgm:fillClrLst meth="repeat">
+      <a:schemeClr val="accent1"/>
+    </dgm:fillClrLst>
+    <dgm:linClrLst meth="repeat">
+      <a:schemeClr val="lt1"/>
+    </dgm:linClrLst>
+    <dgm:effectClrLst/>
+    <dgm:txLinClrLst/>
+    <dgm:txFillClrLst/>
+    <dgm:txEffectClrLst/>
+  </dgm:styleLbl>
+  <dgm:styleLbl name="alignNode1">
+    <dgm:fillClrLst meth="repeat">
+      <a:schemeClr val="accent1"/>
+    </dgm:fillClrLst>
+    <dgm:linClrLst meth="repeat">
+      <a:schemeClr val="accent1"/>
+    </dgm:linClrLst>
+    <dgm:effectClrLst/>
+    <dgm:txLinClrLst/>
+    <dgm:txFillClrLst/>
+    <dgm:txEffectClrLst/>
+  </dgm:styleLbl>
+  <dgm:styleLbl name="node1">
+    <dgm:fillClrLst meth="repeat">
+      <a:schemeClr val="accent1"/>
+    </dgm:fillClrLst>
+    <dgm:linClrLst meth="repeat">
+      <a:schemeClr val="lt1"/>
+    </dgm:linClrLst>
+    <dgm:effectClrLst/>
+    <dgm:txLinClrLst/>
+    <dgm:txFillClrLst/>
+    <dgm:txEffectClrLst/>
+  </dgm:styleLbl>
+  <dgm:styleLbl name="lnNode1">
+    <dgm:fillClrLst meth="repeat">
+      <a:schemeClr val="accent1"/>
+    </dgm:fillClrLst>
+    <dgm:linClrLst meth="repeat">
+      <a:schemeClr val="lt1"/>
+    </dgm:linClrLst>
+    <dgm:effectClrLst/>
+    <dgm:txLinClrLst/>
+    <dgm:txFillClrLst/>
+    <dgm:txEffectClrLst/>
+  </dgm:styleLbl>
+  <dgm:styleLbl name="vennNode1">
+    <dgm:fillClrLst meth="repeat">
+      <a:schemeClr val="accent1">
+        <a:alpha val="50000"/>
+      </a:schemeClr>
+    </dgm:fillClrLst>
+    <dgm:linClrLst meth="repeat">
+      <a:schemeClr val="lt1"/>
+    </dgm:linClrLst>
+    <dgm:effectClrLst/>
+    <dgm:txLinClrLst/>
+    <dgm:txFillClrLst/>
+    <dgm:txEffectClrLst/>
+  </dgm:styleLbl>
+  <dgm:styleLbl name="node2">
+    <dgm:fillClrLst meth="repeat">
+      <a:schemeClr val="accent1"/>
+    </dgm:fillClrLst>
+    <dgm:linClrLst meth="repeat">
+      <a:schemeClr val="lt1"/>
+    </dgm:linClrLst>
+    <dgm:effectClrLst/>
+    <dgm:txLinClrLst/>
+    <dgm:txFillClrLst/>
+    <dgm:txEffectClrLst/>
+  </dgm:styleLbl>
+  <dgm:styleLbl name="node3">
+    <dgm:fillClrLst meth="repeat">
+      <a:schemeClr val="accent1"/>
+    </dgm:fillClrLst>
+    <dgm:linClrLst meth="repeat">
+      <a:schemeClr val="lt1"/>
+    </dgm:linClrLst>
+    <dgm:effectClrLst/>
+    <dgm:txLinClrLst/>
+    <dgm:txFillClrLst/>
+    <dgm:txEffectClrLst/>
+  </dgm:styleLbl>
+  <dgm:styleLbl name="node4">
+    <dgm:fillClrLst meth="repeat">
+      <a:schemeClr val="accent1"/>
+    </dgm:fillClrLst>
+    <dgm:linClrLst meth="repeat">
+      <a:schemeClr val="lt1"/>
+    </dgm:linClrLst>
+    <dgm:effectClrLst/>
+    <dgm:txLinClrLst/>
+    <dgm:txFillClrLst/>
+    <dgm:txEffectClrLst/>
+  </dgm:styleLbl>
+  <dgm:styleLbl name="fgImgPlace1">
+    <dgm:fillClrLst meth="repeat">
+      <a:schemeClr val="accent1">
+        <a:tint val="50000"/>
+      </a:schemeClr>
+    </dgm:fillClrLst>
+    <dgm:linClrLst meth="repeat">
+      <a:schemeClr val="lt1"/>
+    </dgm:linClrLst>
+    <dgm:effectClrLst/>
+    <dgm:txLinClrLst/>
+    <dgm:txFillClrLst meth="repeat">
+      <a:schemeClr val="lt1"/>
+    </dgm:txFillClrLst>
+    <dgm:txEffectClrLst/>
+  </dgm:styleLbl>
+  <dgm:styleLbl name="alignImgPlace1">
+    <dgm:fillClrLst meth="repeat">
+      <a:schemeClr val="accent1">
+        <a:tint val="50000"/>
+      </a:schemeClr>
+    </dgm:fillClrLst>
+    <dgm:linClrLst meth="repeat">
+      <a:schemeClr val="lt1"/>
+    </dgm:linClrLst>
+    <dgm:effectClrLst/>
+    <dgm:txLinClrLst/>
+    <dgm:txFillClrLst meth="repeat">
+      <a:schemeClr val="lt1"/>
+    </dgm:txFillClrLst>
+    <dgm:txEffectClrLst/>
+  </dgm:styleLbl>
+  <dgm:styleLbl name="bgImgPlace1">
+    <dgm:fillClrLst meth="repeat">
+      <a:schemeClr val="accent1">
+        <a:tint val="50000"/>
+      </a:schemeClr>
+    </dgm:fillClrLst>
+    <dgm:linClrLst meth="repeat">
+      <a:schemeClr val="lt1"/>
+    </dgm:linClrLst>
+    <dgm:effectClrLst/>
+    <dgm:txLinClrLst/>
+    <dgm:txFillClrLst meth="repeat">
+      <a:schemeClr val="lt1"/>
+    </dgm:txFillClrLst>
+    <dgm:txEffectClrLst/>
+  </dgm:styleLbl>
+  <dgm:styleLbl name="sibTrans2D1">
+    <dgm:fillClrLst meth="repeat">
+      <a:schemeClr val="accent1">
+        <a:tint val="60000"/>
+      </a:schemeClr>
+    </dgm:fillClrLst>
+    <dgm:linClrLst meth="repeat">
+      <a:schemeClr val="accent1">
+        <a:tint val="60000"/>
+      </a:schemeClr>
+    </dgm:linClrLst>
+    <dgm:effectClrLst/>
+    <dgm:txLinClrLst/>
+    <dgm:txFillClrLst/>
+    <dgm:txEffectClrLst/>
+  </dgm:styleLbl>
+  <dgm:styleLbl name="fgSibTrans2D1">
+    <dgm:fillClrLst meth="repeat">
+      <a:schemeClr val="accent1">
+        <a:tint val="60000"/>
+      </a:schemeClr>
+    </dgm:fillClrLst>
+    <dgm:linClrLst meth="repeat">
+      <a:schemeClr val="accent1">
+        <a:tint val="60000"/>
+      </a:schemeClr>
+    </dgm:linClrLst>
+    <dgm:effectClrLst/>
+    <dgm:txLinClrLst/>
+    <dgm:txFillClrLst/>
+    <dgm:txEffectClrLst/>
+  </dgm:styleLbl>
+  <dgm:styleLbl name="bgSibTrans2D1">
+    <dgm:fillClrLst meth="repeat">
+      <a:schemeClr val="accent1">
+        <a:tint val="60000"/>
+      </a:schemeClr>
+    </dgm:fillClrLst>
+    <dgm:linClrLst meth="repeat">
+      <a:schemeClr val="accent1">
+        <a:tint val="60000"/>
+      </a:schemeClr>
+    </dgm:linClrLst>
+    <dgm:effectClrLst/>
+    <dgm:txLinClrLst/>
+    <dgm:txFillClrLst/>
+    <dgm:txEffectClrLst/>
+  </dgm:styleLbl>
+  <dgm:styleLbl name="sibTrans1D1">
+    <dgm:fillClrLst meth="repeat">
+      <a:schemeClr val="accent1"/>
+    </dgm:fillClrLst>
+    <dgm:linClrLst meth="repeat">
+      <a:schemeClr val="accent1"/>
+    </dgm:linClrLst>
+    <dgm:effectClrLst/>
+    <dgm:txLinClrLst/>
+    <dgm:txFillClrLst meth="repeat">
+      <a:schemeClr val="tx1"/>
+    </dgm:txFillClrLst>
+    <dgm:txEffectClrLst/>
+  </dgm:styleLbl>
+  <dgm:styleLbl name="callout">
+    <dgm:fillClrLst meth="repeat">
+      <a:schemeClr val="accent1"/>
+    </dgm:fillClrLst>
+    <dgm:linClrLst meth="repeat">
+      <a:schemeClr val="accent1">
+        <a:tint val="50000"/>
+      </a:schemeClr>
+    </dgm:linClrLst>
+    <dgm:effectClrLst/>
+    <dgm:txLinClrLst/>
+    <dgm:txFillClrLst meth="repeat">
+      <a:schemeClr val="tx1"/>
+    </dgm:txFillClrLst>
+    <dgm:txEffectClrLst/>
+  </dgm:styleLbl>
+  <dgm:styleLbl name="asst0">
+    <dgm:fillClrLst meth="repeat">
+      <a:schemeClr val="accent1"/>
+    </dgm:fillClrLst>
+    <dgm:linClrLst meth="repeat">
+      <a:schemeClr val="lt1"/>
+    </dgm:linClrLst>
+    <dgm:effectClrLst/>
+    <dgm:txLinClrLst/>
+    <dgm:txFillClrLst/>
+    <dgm:txEffectClrLst/>
+  </dgm:styleLbl>
+  <dgm:styleLbl name="asst1">
+    <dgm:fillClrLst meth="repeat">
+      <a:schemeClr val="accent1"/>
+    </dgm:fillClrLst>
+    <dgm:linClrLst meth="repeat">
+      <a:schemeClr val="lt1"/>
+    </dgm:linClrLst>
+    <dgm:effectClrLst/>
+    <dgm:txLinClrLst/>
+    <dgm:txFillClrLst/>
+    <dgm:txEffectClrLst/>
+  </dgm:styleLbl>
+  <dgm:styleLbl name="asst2">
+    <dgm:fillClrLst meth="repeat">
+      <a:schemeClr val="accent1"/>
+    </dgm:fillClrLst>
+    <dgm:linClrLst meth="repeat">
+      <a:schemeClr val="lt1"/>
+    </dgm:linClrLst>
+    <dgm:effectClrLst/>
+    <dgm:txLinClrLst/>
+    <dgm:txFillClrLst/>
+    <dgm:txEffectClrLst/>
+  </dgm:styleLbl>
+  <dgm:styleLbl name="asst3">
+    <dgm:fillClrLst meth="repeat">
+      <a:schemeClr val="accent1"/>
+    </dgm:fillClrLst>
+    <dgm:linClrLst meth="repeat">
+      <a:schemeClr val="lt1"/>
+    </dgm:linClrLst>
+    <dgm:effectClrLst/>
+    <dgm:txLinClrLst/>
+    <dgm:txFillClrLst/>
+    <dgm:txEffectClrLst/>
+  </dgm:styleLbl>
+  <dgm:styleLbl name="asst4">
+    <dgm:fillClrLst meth="repeat">
+      <a:schemeClr val="accent1"/>
+    </dgm:fillClrLst>
+    <dgm:linClrLst meth="repeat">
+      <a:schemeClr val="lt1"/>
+    </dgm:linClrLst>
+    <dgm:effectClrLst/>
+    <dgm:txLinClrLst/>
+    <dgm:txFillClrLst/>
+    <dgm:txEffectClrLst/>
+  </dgm:styleLbl>
+  <dgm:styleLbl name="parChTrans2D1">
+    <dgm:fillClrLst meth="repeat">
+      <a:schemeClr val="accent1">
+        <a:tint val="60000"/>
+      </a:schemeClr>
+    </dgm:fillClrLst>
+    <dgm:linClrLst meth="repeat">
+      <a:schemeClr val="accent1">
+        <a:tint val="60000"/>
+      </a:schemeClr>
+    </dgm:linClrLst>
+    <dgm:effectClrLst/>
+    <dgm:txLinClrLst/>
+    <dgm:txFillClrLst meth="repeat">
+      <a:schemeClr val="lt1"/>
+    </dgm:txFillClrLst>
+    <dgm:txEffectClrLst/>
+  </dgm:styleLbl>
+  <dgm:styleLbl name="parChTrans2D2">
+    <dgm:fillClrLst meth="repeat">
+      <a:schemeClr val="accent1"/>
+    </dgm:fillClrLst>
+    <dgm:linClrLst meth="repeat">
+      <a:schemeClr val="accent1"/>
+    </dgm:linClrLst>
+    <dgm:effectClrLst/>
+    <dgm:txLinClrLst/>
+    <dgm:txFillClrLst meth="repeat">
+      <a:schemeClr val="lt1"/>
+    </dgm:txFillClrLst>
+    <dgm:txEffectClrLst/>
+  </dgm:styleLbl>
+  <dgm:styleLbl name="parChTrans2D3">
+    <dgm:fillClrLst meth="repeat">
+      <a:schemeClr val="accent1"/>
+    </dgm:fillClrLst>
+    <dgm:linClrLst meth="repeat">
+      <a:schemeClr val="accent1"/>
+    </dgm:linClrLst>
+    <dgm:effectClrLst/>
+    <dgm:txLinClrLst/>
+    <dgm:txFillClrLst meth="repeat">
+      <a:schemeClr val="lt1"/>
+    </dgm:txFillClrLst>
+    <dgm:txEffectClrLst/>
+  </dgm:styleLbl>
+  <dgm:styleLbl name="parChTrans2D4">
+    <dgm:fillClrLst meth="repeat">
+      <a:schemeClr val="accent1"/>
+    </dgm:fillClrLst>
+    <dgm:linClrLst meth="repeat">
+      <a:schemeClr val="accent1"/>
+    </dgm:linClrLst>
+    <dgm:effectClrLst/>
+    <dgm:txLinClrLst/>
+    <dgm:txFillClrLst meth="repeat">
+      <a:schemeClr val="lt1"/>
+    </dgm:txFillClrLst>
+    <dgm:txEffectClrLst/>
+  </dgm:styleLbl>
+  <dgm:styleLbl name="parChTrans1D1">
+    <dgm:fillClrLst meth="repeat">
+      <a:schemeClr val="accent1"/>
+    </dgm:fillClrLst>
+    <dgm:linClrLst meth="repeat">
+      <a:schemeClr val="accent1">
+        <a:shade val="60000"/>
+      </a:schemeClr>
+    </dgm:linClrLst>
+    <dgm:effectClrLst/>
+    <dgm:txLinClrLst/>
+    <dgm:txFillClrLst meth="repeat">
+      <a:schemeClr val="tx1"/>
+    </dgm:txFillClrLst>
+    <dgm:txEffectClrLst/>
+  </dgm:styleLbl>
+  <dgm:styleLbl name="parChTrans1D2">
+    <dgm:fillClrLst meth="repeat">
+      <a:schemeClr val="accent1"/>
+    </dgm:fillClrLst>
+    <dgm:linClrLst meth="repeat">
+      <a:schemeClr val="accent1">
+        <a:shade val="60000"/>
+      </a:schemeClr>
+    </dgm:linClrLst>
+    <dgm:effectClrLst/>
+    <dgm:txLinClrLst/>
+    <dgm:txFillClrLst meth="repeat">
+      <a:schemeClr val="tx1"/>
+    </dgm:txFillClrLst>
+    <dgm:txEffectClrLst/>
+  </dgm:styleLbl>
+  <dgm:styleLbl name="parChTrans1D3">
+    <dgm:fillClrLst meth="repeat">
+      <a:schemeClr val="accent1"/>
+    </dgm:fillClrLst>
+    <dgm:linClrLst meth="repeat">
+      <a:schemeClr val="accent1">
+        <a:shade val="80000"/>
+      </a:schemeClr>
+    </dgm:linClrLst>
+    <dgm:effectClrLst/>
+    <dgm:txLinClrLst/>
+    <dgm:txFillClrLst meth="repeat">
+      <a:schemeClr val="tx1"/>
+    </dgm:txFillClrLst>
+    <dgm:txEffectClrLst/>
+  </dgm:styleLbl>
+  <dgm:styleLbl name="parChTrans1D4">
+    <dgm:fillClrLst meth="repeat">
+      <a:schemeClr val="accent1"/>
+    </dgm:fillClrLst>
+    <dgm:linClrLst meth="repeat">
+      <a:schemeClr val="accent1">
+        <a:shade val="80000"/>
+      </a:schemeClr>
+    </dgm:linClrLst>
+    <dgm:effectClrLst/>
+    <dgm:txLinClrLst/>
+    <dgm:txFillClrLst meth="repeat">
+      <a:schemeClr val="tx1"/>
+    </dgm:txFillClrLst>
+    <dgm:txEffectClrLst/>
+  </dgm:styleLbl>
+  <dgm:styleLbl name="fgAcc1">
+    <dgm:fillClrLst meth="repeat">
+      <a:schemeClr val="lt1">
+        <a:alpha val="90000"/>
+      </a:schemeClr>
+    </dgm:fillClrLst>
+    <dgm:linClrLst meth="repeat">
+      <a:schemeClr val="accent1"/>
+    </dgm:linClrLst>
+    <dgm:effectClrLst/>
+    <dgm:txLinClrLst/>
+    <dgm:txFillClrLst meth="repeat">
+      <a:schemeClr val="dk1"/>
+    </dgm:txFillClrLst>
+    <dgm:txEffectClrLst/>
+  </dgm:styleLbl>
+  <dgm:styleLbl name="conFgAcc1">
+    <dgm:fillClrLst meth="repeat">
+      <a:schemeClr val="lt1">
+        <a:alpha val="90000"/>
+      </a:schemeClr>
+    </dgm:fillClrLst>
+    <dgm:linClrLst meth="repeat">
+      <a:schemeClr val="accent1"/>
+    </dgm:linClrLst>
+    <dgm:effectClrLst/>
+    <dgm:txLinClrLst/>
+    <dgm:txFillClrLst meth="repeat">
+      <a:schemeClr val="dk1"/>
+    </dgm:txFillClrLst>
+    <dgm:txEffectClrLst/>
+  </dgm:styleLbl>
+  <dgm:styleLbl name="alignAcc1">
+    <dgm:fillClrLst meth="repeat">
+      <a:schemeClr val="lt1">
+        <a:alpha val="90000"/>
+      </a:schemeClr>
+    </dgm:fillClrLst>
+    <dgm:linClrLst meth="repeat">
+      <a:schemeClr val="accent1"/>
+    </dgm:linClrLst>
+    <dgm:effectClrLst/>
+    <dgm:txLinClrLst/>
+    <dgm:txFillClrLst meth="repeat">
+      <a:schemeClr val="dk1"/>
+    </dgm:txFillClrLst>
+    <dgm:txEffectClrLst/>
+  </dgm:styleLbl>
+  <dgm:styleLbl name="trAlignAcc1">
+    <dgm:fillClrLst meth="repeat">
+      <a:schemeClr val="lt1">
+        <a:alpha val="40000"/>
+      </a:schemeClr>
+    </dgm:fillClrLst>
+    <dgm:linClrLst meth="repeat">
+      <a:schemeClr val="accent1"/>
+    </dgm:linClrLst>
+    <dgm:effectClrLst/>
+    <dgm:txLinClrLst/>
+    <dgm:txFillClrLst meth="repeat">
+      <a:schemeClr val="dk1"/>
+    </dgm:txFillClrLst>
+    <dgm:txEffectClrLst/>
+  </dgm:styleLbl>
+  <dgm:styleLbl name="bgAcc1">
+    <dgm:fillClrLst meth="repeat">
+      <a:schemeClr val="lt1">
+        <a:alpha val="90000"/>
+      </a:schemeClr>
+    </dgm:fillClrLst>
+    <dgm:linClrLst meth="repeat">
+      <a:schemeClr val="accent1"/>
+    </dgm:linClrLst>
+    <dgm:effectClrLst/>
+    <dgm:txLinClrLst/>
+    <dgm:txFillClrLst meth="repeat">
+      <a:schemeClr val="dk1"/>
+    </dgm:txFillClrLst>
+    <dgm:txEffectClrLst/>
+  </dgm:styleLbl>
+  <dgm:styleLbl name="solidFgAcc1">
+    <dgm:fillClrLst meth="repeat">
+      <a:schemeClr val="lt1"/>
+    </dgm:fillClrLst>
+    <dgm:linClrLst meth="repeat">
+      <a:schemeClr val="accent1"/>
+    </dgm:linClrLst>
+    <dgm:effectClrLst/>
+    <dgm:txLinClrLst/>
+    <dgm:txFillClrLst meth="repeat">
+      <a:schemeClr val="dk1"/>
+    </dgm:txFillClrLst>
+    <dgm:txEffectClrLst/>
+  </dgm:styleLbl>
+  <dgm:styleLbl name="solidAlignAcc1">
+    <dgm:fillClrLst meth="repeat">
+      <a:schemeClr val="lt1"/>
+    </dgm:fillClrLst>
+    <dgm:linClrLst meth="repeat">
+      <a:schemeClr val="accent1"/>
+    </dgm:linClrLst>
+    <dgm:effectClrLst/>
+    <dgm:txLinClrLst/>
+    <dgm:txFillClrLst meth="repeat">
+      <a:schemeClr val="dk1"/>
+    </dgm:txFillClrLst>
+    <dgm:txEffectClrLst/>
+  </dgm:styleLbl>
+  <dgm:styleLbl name="solidBgAcc1">
+    <dgm:fillClrLst meth="repeat">
+      <a:schemeClr val="lt1"/>
+    </dgm:fillClrLst>
+    <dgm:linClrLst meth="repeat">
+      <a:schemeClr val="accent1"/>
+    </dgm:linClrLst>
+    <dgm:effectClrLst/>
+    <dgm:txLinClrLst/>
+    <dgm:txFillClrLst meth="repeat">
+      <a:schemeClr val="dk1"/>
+    </dgm:txFillClrLst>
+    <dgm:txEffectClrLst/>
+  </dgm:styleLbl>
+  <dgm:styleLbl name="fgAccFollowNode1">
+    <dgm:fillClrLst meth="repeat">
+      <a:schemeClr val="accent1">
+        <a:alpha val="90000"/>
+        <a:tint val="40000"/>
+      </a:schemeClr>
+    </dgm:fillClrLst>
+    <dgm:linClrLst meth="repeat">
+      <a:schemeClr val="accent1">
+        <a:alpha val="90000"/>
+        <a:tint val="40000"/>
+      </a:schemeClr>
+    </dgm:linClrLst>
+    <dgm:effectClrLst/>
+    <dgm:txLinClrLst/>
+    <dgm:txFillClrLst meth="repeat">
+      <a:schemeClr val="dk1"/>
+    </dgm:txFillClrLst>
+    <dgm:txEffectClrLst/>
+  </dgm:styleLbl>
+  <dgm:styleLbl name="alignAccFollowNode1">
+    <dgm:fillClrLst meth="repeat">
+      <a:schemeClr val="accent1">
+        <a:alpha val="90000"/>
+        <a:tint val="40000"/>
+      </a:schemeClr>
+    </dgm:fillClrLst>
+    <dgm:linClrLst meth="repeat">
+      <a:schemeClr val="accent1">
+        <a:alpha val="90000"/>
+        <a:tint val="40000"/>
+      </a:schemeClr>
+    </dgm:linClrLst>
+    <dgm:effectClrLst/>
+    <dgm:txLinClrLst/>
+    <dgm:txFillClrLst meth="repeat">
+      <a:schemeClr val="dk1"/>
+    </dgm:txFillClrLst>
+    <dgm:txEffectClrLst/>
+  </dgm:styleLbl>
+  <dgm:styleLbl name="bgAccFollowNode1">
+    <dgm:fillClrLst meth="repeat">
+      <a:schemeClr val="accent1">
+        <a:alpha val="90000"/>
+        <a:tint val="40000"/>
+      </a:schemeClr>
+    </dgm:fillClrLst>
+    <dgm:linClrLst meth="repeat">
+      <a:schemeClr val="accent1">
+        <a:alpha val="90000"/>
+        <a:tint val="40000"/>
+      </a:schemeClr>
+    </dgm:linClrLst>
+    <dgm:effectClrLst/>
+    <dgm:txLinClrLst/>
+    <dgm:txFillClrLst meth="repeat">
+      <a:schemeClr val="dk1"/>
+    </dgm:txFillClrLst>
+    <dgm:txEffectClrLst/>
+  </dgm:styleLbl>
+  <dgm:styleLbl name="fgAcc0">
+    <dgm:fillClrLst meth="repeat">
+      <a:schemeClr val="lt1">
+        <a:alpha val="90000"/>
+      </a:schemeClr>
+    </dgm:fillClrLst>
+    <dgm:linClrLst meth="repeat">
+      <a:schemeClr val="accent1"/>
+    </dgm:linClrLst>
+    <dgm:effectClrLst/>
+    <dgm:txLinClrLst/>
+    <dgm:txFillClrLst meth="repeat">
+      <a:schemeClr val="dk1"/>
+    </dgm:txFillClrLst>
+    <dgm:txEffectClrLst/>
+  </dgm:styleLbl>
+  <dgm:styleLbl name="fgAcc2">
+    <dgm:fillClrLst meth="repeat">
+      <a:schemeClr val="lt1">
+        <a:alpha val="90000"/>
+      </a:schemeClr>
+    </dgm:fillClrLst>
+    <dgm:linClrLst meth="repeat">
+      <a:schemeClr val="accent1"/>
+    </dgm:linClrLst>
+    <dgm:effectClrLst/>
+    <dgm:txLinClrLst/>
+    <dgm:txFillClrLst meth="repeat">
+      <a:schemeClr val="dk1"/>
+    </dgm:txFillClrLst>
+    <dgm:txEffectClrLst/>
+  </dgm:styleLbl>
+  <dgm:styleLbl name="fgAcc3">
+    <dgm:fillClrLst meth="repeat">
+      <a:schemeClr val="lt1">
+        <a:alpha val="90000"/>
+      </a:schemeClr>
+    </dgm:fillClrLst>
+    <dgm:linClrLst meth="repeat">
+      <a:schemeClr val="accent1"/>
+    </dgm:linClrLst>
+    <dgm:effectClrLst/>
+    <dgm:txLinClrLst/>
+    <dgm:txFillClrLst meth="repeat">
+      <a:schemeClr val="dk1"/>
+    </dgm:txFillClrLst>
+    <dgm:txEffectClrLst/>
+  </dgm:styleLbl>
+  <dgm:styleLbl name="fgAcc4">
+    <dgm:fillClrLst meth="repeat">
+      <a:schemeClr val="lt1">
+        <a:alpha val="90000"/>
+      </a:schemeClr>
+    </dgm:fillClrLst>
+    <dgm:linClrLst meth="repeat">
+      <a:schemeClr val="accent1"/>
+    </dgm:linClrLst>
+    <dgm:effectClrLst/>
+    <dgm:txLinClrLst/>
+    <dgm:txFillClrLst meth="repeat">
+      <a:schemeClr val="dk1"/>
+    </dgm:txFillClrLst>
+    <dgm:txEffectClrLst/>
+  </dgm:styleLbl>
+  <dgm:styleLbl name="bgShp">
+    <dgm:fillClrLst meth="repeat">
+      <a:schemeClr val="accent1">
+        <a:tint val="40000"/>
+      </a:schemeClr>
+    </dgm:fillClrLst>
+    <dgm:linClrLst meth="repeat">
+      <a:schemeClr val="accent1"/>
+    </dgm:linClrLst>
+    <dgm:effectClrLst/>
+    <dgm:txLinClrLst/>
+    <dgm:txFillClrLst meth="repeat">
+      <a:schemeClr val="dk1"/>
+    </dgm:txFillClrLst>
+    <dgm:txEffectClrLst/>
+  </dgm:styleLbl>
+  <dgm:styleLbl name="dkBgShp">
+    <dgm:fillClrLst meth="repeat">
+      <a:schemeClr val="accent1">
+        <a:shade val="80000"/>
+      </a:schemeClr>
+    </dgm:fillClrLst>
+    <dgm:linClrLst meth="repeat">
+      <a:schemeClr val="accent1"/>
+    </dgm:linClrLst>
+    <dgm:effectClrLst/>
+    <dgm:txLinClrLst/>
+    <dgm:txFillClrLst meth="repeat">
+      <a:schemeClr val="lt1"/>
+    </dgm:txFillClrLst>
+    <dgm:txEffectClrLst/>
+  </dgm:styleLbl>
+  <dgm:styleLbl name="trBgShp">
+    <dgm:fillClrLst meth="repeat">
+      <a:schemeClr val="accent1">
+        <a:tint val="50000"/>
+        <a:alpha val="40000"/>
+      </a:schemeClr>
+    </dgm:fillClrLst>
+    <dgm:linClrLst meth="repeat">
+      <a:schemeClr val="accent1"/>
+    </dgm:linClrLst>
+    <dgm:effectClrLst/>
+    <dgm:txLinClrLst/>
+    <dgm:txFillClrLst meth="repeat">
+      <a:schemeClr val="lt1"/>
+    </dgm:txFillClrLst>
+    <dgm:txEffectClrLst/>
+  </dgm:styleLbl>
+  <dgm:styleLbl name="fgShp">
+    <dgm:fillClrLst meth="repeat">
+      <a:schemeClr val="accent1">
+        <a:tint val="60000"/>
+      </a:schemeClr>
+    </dgm:fillClrLst>
+    <dgm:linClrLst meth="repeat">
+      <a:schemeClr val="lt1"/>
+    </dgm:linClrLst>
+    <dgm:effectClrLst/>
+    <dgm:txLinClrLst/>
+    <dgm:txFillClrLst meth="repeat">
+      <a:schemeClr val="dk1"/>
+    </dgm:txFillClrLst>
+    <dgm:txEffectClrLst/>
+  </dgm:styleLbl>
+  <dgm:styleLbl name="revTx">
+    <dgm:fillClrLst meth="repeat">
+      <a:schemeClr val="lt1">
+        <a:alpha val="0"/>
+      </a:schemeClr>
+    </dgm:fillClrLst>
+    <dgm:linClrLst meth="repeat">
+      <a:schemeClr val="dk1">
+        <a:alpha val="0"/>
+      </a:schemeClr>
+    </dgm:linClrLst>
+    <dgm:effectClrLst/>
+    <dgm:txLinClrLst/>
+    <dgm:txFillClrLst meth="repeat">
+      <a:schemeClr val="tx1"/>
+    </dgm:txFillClrLst>
+    <dgm:txEffectClrLst/>
+  </dgm:styleLbl>
+</dgm:colorsDef>
+</file>
+
 <file path=ppt/diagrams/data1.xml><?xml version="1.0" encoding="utf-8"?>
 <dgm:dataModel xmlns:dgm="http://schemas.openxmlformats.org/drawingml/2006/diagram" xmlns:a="http://schemas.openxmlformats.org/drawingml/2006/main">
   <dgm:ptLst>
@@ -8014,6 +8762,91 @@
 </file>
 
 <file path=ppt/diagrams/data6.xml><?xml version="1.0" encoding="utf-8"?>
+<dgm:dataModel xmlns:dgm="http://schemas.openxmlformats.org/drawingml/2006/diagram" xmlns:a="http://schemas.openxmlformats.org/drawingml/2006/main">
+  <dgm:ptLst>
+    <dgm:pt modelId="{68CBA0C9-6872-4B80-AE7E-83556EA19888}" type="doc">
+      <dgm:prSet loTypeId="urn:microsoft.com/office/officeart/2005/8/layout/default" loCatId="list" qsTypeId="urn:microsoft.com/office/officeart/2005/8/quickstyle/simple1" qsCatId="simple" csTypeId="urn:microsoft.com/office/officeart/2005/8/colors/accent1_2" csCatId="accent1" phldr="1"/>
+      <dgm:spPr/>
+      <dgm:t>
+        <a:bodyPr/>
+        <a:lstStyle/>
+        <a:p>
+          <a:endParaRPr lang="zh-CN" altLang="en-US"/>
+        </a:p>
+      </dgm:t>
+    </dgm:pt>
+    <dgm:pt modelId="{CDA42718-D6D5-44FB-8E75-DE7CBA5FCFD2}">
+      <dgm:prSet phldrT="[文本]"/>
+      <dgm:spPr/>
+      <dgm:t>
+        <a:bodyPr/>
+        <a:lstStyle/>
+        <a:p>
+          <a:r>
+            <a:rPr lang="en-US" altLang="en-US"/>
+            <a:t>HTML Hello</a:t>
+          </a:r>
+          <a:endParaRPr lang="zh-CN" altLang="en-US"/>
+        </a:p>
+      </dgm:t>
+    </dgm:pt>
+    <dgm:pt modelId="{7A47F613-4598-4575-B647-7E280D92B008}" type="parTrans" cxnId="{E3FA74E0-F457-4F2D-A8BA-220DFE193840}">
+      <dgm:prSet/>
+      <dgm:spPr/>
+      <dgm:t>
+        <a:bodyPr/>
+        <a:lstStyle/>
+        <a:p>
+          <a:endParaRPr lang="zh-CN" altLang="en-US"/>
+        </a:p>
+      </dgm:t>
+    </dgm:pt>
+    <dgm:pt modelId="{F53B566D-CE24-40A3-9306-90C1B489D2B6}" type="sibTrans" cxnId="{E3FA74E0-F457-4F2D-A8BA-220DFE193840}">
+      <dgm:prSet/>
+      <dgm:spPr/>
+      <dgm:t>
+        <a:bodyPr/>
+        <a:lstStyle/>
+        <a:p>
+          <a:endParaRPr lang="zh-CN" altLang="en-US"/>
+        </a:p>
+      </dgm:t>
+    </dgm:pt>
+    <dgm:pt modelId="{F2BACA28-1CD3-4CBF-8D6A-C181310B26A3}" type="pres">
+      <dgm:prSet presAssocID="{68CBA0C9-6872-4B80-AE7E-83556EA19888}" presName="diagram" presStyleCnt="0">
+        <dgm:presLayoutVars>
+          <dgm:dir/>
+          <dgm:resizeHandles val="exact"/>
+        </dgm:presLayoutVars>
+      </dgm:prSet>
+      <dgm:spPr/>
+    </dgm:pt>
+    <dgm:pt modelId="{8A53C6B3-F1A0-4192-896F-07D42B4E96F2}" type="pres">
+      <dgm:prSet presAssocID="{CDA42718-D6D5-44FB-8E75-DE7CBA5FCFD2}" presName="node" presStyleLbl="node1" presStyleIdx="0" presStyleCnt="1">
+        <dgm:presLayoutVars>
+          <dgm:bulletEnabled val="1"/>
+        </dgm:presLayoutVars>
+      </dgm:prSet>
+      <dgm:spPr/>
+    </dgm:pt>
+  </dgm:ptLst>
+  <dgm:cxnLst>
+    <dgm:cxn modelId="{2A8F997E-917E-4C29-872C-1707F05BFD90}" type="presOf" srcId="{68CBA0C9-6872-4B80-AE7E-83556EA19888}" destId="{F2BACA28-1CD3-4CBF-8D6A-C181310B26A3}" srcOrd="0" destOrd="0" presId="urn:microsoft.com/office/officeart/2005/8/layout/default"/>
+    <dgm:cxn modelId="{7130848C-87D6-47B7-894E-2EA681A75A72}" type="presOf" srcId="{CDA42718-D6D5-44FB-8E75-DE7CBA5FCFD2}" destId="{8A53C6B3-F1A0-4192-896F-07D42B4E96F2}" srcOrd="0" destOrd="0" presId="urn:microsoft.com/office/officeart/2005/8/layout/default"/>
+    <dgm:cxn modelId="{E3FA74E0-F457-4F2D-A8BA-220DFE193840}" srcId="{68CBA0C9-6872-4B80-AE7E-83556EA19888}" destId="{CDA42718-D6D5-44FB-8E75-DE7CBA5FCFD2}" srcOrd="0" destOrd="0" parTransId="{7A47F613-4598-4575-B647-7E280D92B008}" sibTransId="{F53B566D-CE24-40A3-9306-90C1B489D2B6}"/>
+    <dgm:cxn modelId="{9A0EDB38-1107-4446-A2AB-9B15721511E9}" type="presParOf" srcId="{F2BACA28-1CD3-4CBF-8D6A-C181310B26A3}" destId="{8A53C6B3-F1A0-4192-896F-07D42B4E96F2}" srcOrd="0" destOrd="0" presId="urn:microsoft.com/office/officeart/2005/8/layout/default"/>
+  </dgm:cxnLst>
+  <dgm:bg/>
+  <dgm:whole/>
+  <dgm:extLst>
+    <a:ext uri="http://schemas.microsoft.com/office/drawing/2008/diagram">
+      <dsp:dataModelExt xmlns:dsp="http://schemas.microsoft.com/office/drawing/2008/diagram" relId="rId6" minVer="http://schemas.openxmlformats.org/drawingml/2006/diagram"/>
+    </a:ext>
+  </dgm:extLst>
+</dgm:dataModel>
+</file>
+
+<file path=ppt/diagrams/data7.xml><?xml version="1.0" encoding="utf-8"?>
 <dgm:dataModel xmlns:dgm="http://schemas.openxmlformats.org/drawingml/2006/diagram" xmlns:a="http://schemas.openxmlformats.org/drawingml/2006/main">
   <dgm:ptLst>
     <dgm:pt modelId="{B180879B-94D4-4073-8F12-8D8EAE59EFF8}" type="doc">
@@ -12994,6 +13827,96 @@
 </file>
 
 <file path=ppt/diagrams/drawing6.xml><?xml version="1.0" encoding="utf-8"?>
+<dsp:drawing xmlns:dgm="http://schemas.openxmlformats.org/drawingml/2006/diagram" xmlns:dsp="http://schemas.microsoft.com/office/drawing/2008/diagram" xmlns:a="http://schemas.openxmlformats.org/drawingml/2006/main">
+  <dsp:spTree>
+    <dsp:nvGrpSpPr>
+      <dsp:cNvPr id="0" name=""/>
+      <dsp:cNvGrpSpPr/>
+    </dsp:nvGrpSpPr>
+    <dsp:grpSpPr/>
+    <dsp:sp modelId="{8A53C6B3-F1A0-4192-896F-07D42B4E96F2}">
+      <dsp:nvSpPr>
+        <dsp:cNvPr id="0" name=""/>
+        <dsp:cNvSpPr/>
+      </dsp:nvSpPr>
+      <dsp:spPr>
+        <a:xfrm>
+          <a:off x="1289893" y="2093"/>
+          <a:ext cx="5649813" cy="3389887"/>
+        </a:xfrm>
+        <a:prstGeom prst="rect">
+          <a:avLst/>
+        </a:prstGeom>
+        <a:solidFill>
+          <a:schemeClr val="accent1">
+            <a:hueOff val="0"/>
+            <a:satOff val="0"/>
+            <a:lumOff val="0"/>
+            <a:alphaOff val="0"/>
+          </a:schemeClr>
+        </a:solidFill>
+        <a:ln w="28575" cap="flat" cmpd="sng" algn="ctr">
+          <a:solidFill>
+            <a:schemeClr val="lt1">
+              <a:hueOff val="0"/>
+              <a:satOff val="0"/>
+              <a:lumOff val="0"/>
+              <a:alphaOff val="0"/>
+            </a:schemeClr>
+          </a:solidFill>
+          <a:prstDash val="solid"/>
+        </a:ln>
+        <a:effectLst/>
+      </dsp:spPr>
+      <dsp:style>
+        <a:lnRef idx="2">
+          <a:scrgbClr r="0" g="0" b="0"/>
+        </a:lnRef>
+        <a:fillRef idx="1">
+          <a:scrgbClr r="0" g="0" b="0"/>
+        </a:fillRef>
+        <a:effectRef idx="0">
+          <a:scrgbClr r="0" g="0" b="0"/>
+        </a:effectRef>
+        <a:fontRef idx="minor">
+          <a:schemeClr val="lt1"/>
+        </a:fontRef>
+      </dsp:style>
+      <dsp:txBody>
+        <a:bodyPr spcFirstLastPara="0" vert="horz" wrap="square" lIns="247650" tIns="247650" rIns="247650" bIns="247650" numCol="1" spcCol="1270" anchor="ctr" anchorCtr="0">
+          <a:noAutofit/>
+        </a:bodyPr>
+        <a:lstStyle/>
+        <a:p>
+          <a:pPr marL="0" lvl="0" indent="0" algn="ctr" defTabSz="2889250">
+            <a:lnSpc>
+              <a:spcPct val="90000"/>
+            </a:lnSpc>
+            <a:spcBef>
+              <a:spcPct val="0"/>
+            </a:spcBef>
+            <a:spcAft>
+              <a:spcPct val="35000"/>
+            </a:spcAft>
+            <a:buNone/>
+          </a:pPr>
+          <a:r>
+            <a:rPr lang="en-US" altLang="en-US" sz="6500" kern="1200"/>
+            <a:t>HTML Hello</a:t>
+          </a:r>
+          <a:endParaRPr lang="zh-CN" altLang="en-US" sz="6500" kern="1200"/>
+        </a:p>
+      </dsp:txBody>
+      <dsp:txXfrm>
+        <a:off x="1289893" y="2093"/>
+        <a:ext cx="5649813" cy="3389887"/>
+      </dsp:txXfrm>
+    </dsp:sp>
+  </dsp:spTree>
+</dsp:drawing>
+</file>
+
+<file path=ppt/diagrams/drawing7.xml><?xml version="1.0" encoding="utf-8"?>
 <dsp:drawing xmlns:dgm="http://schemas.openxmlformats.org/drawingml/2006/diagram" xmlns:dsp="http://schemas.microsoft.com/office/drawing/2008/diagram" xmlns:a="http://schemas.openxmlformats.org/drawingml/2006/main">
   <dsp:spTree>
     <dsp:nvGrpSpPr>
@@ -14520,6 +15443,153 @@
 </file>
 
 <file path=ppt/diagrams/layout6.xml><?xml version="1.0" encoding="utf-8"?>
+<dgm:layoutDef xmlns:dgm="http://schemas.openxmlformats.org/drawingml/2006/diagram" xmlns:a="http://schemas.openxmlformats.org/drawingml/2006/main" uniqueId="urn:microsoft.com/office/officeart/2005/8/layout/default">
+  <dgm:title val=""/>
+  <dgm:desc val=""/>
+  <dgm:catLst>
+    <dgm:cat type="list" pri="400"/>
+  </dgm:catLst>
+  <dgm:sampData>
+    <dgm:dataModel>
+      <dgm:ptLst>
+        <dgm:pt modelId="0" type="doc"/>
+        <dgm:pt modelId="1">
+          <dgm:prSet phldr="1"/>
+        </dgm:pt>
+        <dgm:pt modelId="2">
+          <dgm:prSet phldr="1"/>
+        </dgm:pt>
+        <dgm:pt modelId="3">
+          <dgm:prSet phldr="1"/>
+        </dgm:pt>
+        <dgm:pt modelId="4">
+          <dgm:prSet phldr="1"/>
+        </dgm:pt>
+        <dgm:pt modelId="5">
+          <dgm:prSet phldr="1"/>
+        </dgm:pt>
+      </dgm:ptLst>
+      <dgm:cxnLst>
+        <dgm:cxn modelId="6" srcId="0" destId="1" srcOrd="0" destOrd="0"/>
+        <dgm:cxn modelId="7" srcId="0" destId="2" srcOrd="1" destOrd="0"/>
+        <dgm:cxn modelId="8" srcId="0" destId="3" srcOrd="2" destOrd="0"/>
+        <dgm:cxn modelId="9" srcId="0" destId="4" srcOrd="3" destOrd="0"/>
+        <dgm:cxn modelId="10" srcId="0" destId="5" srcOrd="4" destOrd="0"/>
+      </dgm:cxnLst>
+      <dgm:bg/>
+      <dgm:whole/>
+    </dgm:dataModel>
+  </dgm:sampData>
+  <dgm:styleData>
+    <dgm:dataModel>
+      <dgm:ptLst>
+        <dgm:pt modelId="0" type="doc"/>
+        <dgm:pt modelId="1"/>
+        <dgm:pt modelId="2"/>
+      </dgm:ptLst>
+      <dgm:cxnLst>
+        <dgm:cxn modelId="3" srcId="0" destId="1" srcOrd="0" destOrd="0"/>
+        <dgm:cxn modelId="4" srcId="0" destId="2" srcOrd="1" destOrd="0"/>
+      </dgm:cxnLst>
+      <dgm:bg/>
+      <dgm:whole/>
+    </dgm:dataModel>
+  </dgm:styleData>
+  <dgm:clrData>
+    <dgm:dataModel>
+      <dgm:ptLst>
+        <dgm:pt modelId="0" type="doc"/>
+        <dgm:pt modelId="1"/>
+        <dgm:pt modelId="2"/>
+        <dgm:pt modelId="3"/>
+        <dgm:pt modelId="4"/>
+        <dgm:pt modelId="5"/>
+        <dgm:pt modelId="6"/>
+      </dgm:ptLst>
+      <dgm:cxnLst>
+        <dgm:cxn modelId="7" srcId="0" destId="1" srcOrd="0" destOrd="0"/>
+        <dgm:cxn modelId="8" srcId="0" destId="2" srcOrd="1" destOrd="0"/>
+        <dgm:cxn modelId="9" srcId="0" destId="3" srcOrd="2" destOrd="0"/>
+        <dgm:cxn modelId="10" srcId="0" destId="4" srcOrd="3" destOrd="0"/>
+        <dgm:cxn modelId="11" srcId="0" destId="5" srcOrd="4" destOrd="0"/>
+        <dgm:cxn modelId="12" srcId="0" destId="6" srcOrd="5" destOrd="0"/>
+      </dgm:cxnLst>
+      <dgm:bg/>
+      <dgm:whole/>
+    </dgm:dataModel>
+  </dgm:clrData>
+  <dgm:layoutNode name="diagram">
+    <dgm:varLst>
+      <dgm:dir/>
+      <dgm:resizeHandles val="exact"/>
+    </dgm:varLst>
+    <dgm:choose name="Name0">
+      <dgm:if name="Name1" func="var" arg="dir" op="equ" val="norm">
+        <dgm:alg type="snake">
+          <dgm:param type="grDir" val="tL"/>
+          <dgm:param type="flowDir" val="row"/>
+          <dgm:param type="contDir" val="sameDir"/>
+          <dgm:param type="off" val="ctr"/>
+        </dgm:alg>
+      </dgm:if>
+      <dgm:else name="Name2">
+        <dgm:alg type="snake">
+          <dgm:param type="grDir" val="tR"/>
+          <dgm:param type="flowDir" val="row"/>
+          <dgm:param type="contDir" val="sameDir"/>
+          <dgm:param type="off" val="ctr"/>
+        </dgm:alg>
+      </dgm:else>
+    </dgm:choose>
+    <dgm:shape xmlns:r="http://schemas.openxmlformats.org/officeDocument/2006/relationships" r:blip="">
+      <dgm:adjLst/>
+    </dgm:shape>
+    <dgm:presOf/>
+    <dgm:constrLst>
+      <dgm:constr type="w" for="ch" forName="node" refType="w"/>
+      <dgm:constr type="h" for="ch" forName="node" refType="w" refFor="ch" refForName="node" fact="0.6"/>
+      <dgm:constr type="w" for="ch" forName="sibTrans" refType="w" refFor="ch" refForName="node" fact="0.1"/>
+      <dgm:constr type="sp" refType="w" refFor="ch" refForName="sibTrans"/>
+      <dgm:constr type="primFontSz" for="ch" forName="node" op="equ" val="65"/>
+    </dgm:constrLst>
+    <dgm:ruleLst/>
+    <dgm:forEach name="Name3" axis="ch" ptType="node">
+      <dgm:layoutNode name="node">
+        <dgm:varLst>
+          <dgm:bulletEnabled val="1"/>
+        </dgm:varLst>
+        <dgm:alg type="tx"/>
+        <dgm:shape xmlns:r="http://schemas.openxmlformats.org/officeDocument/2006/relationships" type="rect" r:blip="">
+          <dgm:adjLst/>
+        </dgm:shape>
+        <dgm:presOf axis="desOrSelf" ptType="node"/>
+        <dgm:constrLst>
+          <dgm:constr type="lMarg" refType="primFontSz" fact="0.3"/>
+          <dgm:constr type="rMarg" refType="primFontSz" fact="0.3"/>
+          <dgm:constr type="tMarg" refType="primFontSz" fact="0.3"/>
+          <dgm:constr type="bMarg" refType="primFontSz" fact="0.3"/>
+        </dgm:constrLst>
+        <dgm:ruleLst>
+          <dgm:rule type="primFontSz" val="5" fact="NaN" max="NaN"/>
+        </dgm:ruleLst>
+      </dgm:layoutNode>
+      <dgm:forEach name="Name4" axis="followSib" ptType="sibTrans" cnt="1">
+        <dgm:layoutNode name="sibTrans">
+          <dgm:alg type="sp"/>
+          <dgm:shape xmlns:r="http://schemas.openxmlformats.org/officeDocument/2006/relationships" r:blip="">
+            <dgm:adjLst/>
+          </dgm:shape>
+          <dgm:presOf/>
+          <dgm:constrLst/>
+          <dgm:ruleLst/>
+        </dgm:layoutNode>
+      </dgm:forEach>
+    </dgm:forEach>
+  </dgm:layoutNode>
+</dgm:layoutDef>
+</file>
+
+<file path=ppt/diagrams/layout7.xml><?xml version="1.0" encoding="utf-8"?>
 <dgm:layoutDef xmlns:dgm="http://schemas.openxmlformats.org/drawingml/2006/diagram" xmlns:a="http://schemas.openxmlformats.org/drawingml/2006/main" uniqueId="urn:microsoft.com/office/officeart/2005/8/layout/chevron2">
   <dgm:title val=""/>
   <dgm:desc val=""/>
@@ -20979,6 +22049,1040 @@
 </dgm:styleDef>
 </file>
 
+<file path=ppt/diagrams/quickStyle7.xml><?xml version="1.0" encoding="utf-8"?>
+<dgm:styleDef xmlns:dgm="http://schemas.openxmlformats.org/drawingml/2006/diagram" xmlns:a="http://schemas.openxmlformats.org/drawingml/2006/main" uniqueId="urn:microsoft.com/office/officeart/2005/8/quickstyle/simple1">
+  <dgm:title val=""/>
+  <dgm:desc val=""/>
+  <dgm:catLst>
+    <dgm:cat type="simple" pri="10100"/>
+  </dgm:catLst>
+  <dgm:scene3d>
+    <a:camera prst="orthographicFront"/>
+    <a:lightRig rig="threePt" dir="t"/>
+  </dgm:scene3d>
+  <dgm:styleLbl name="node0">
+    <dgm:scene3d>
+      <a:camera prst="orthographicFront"/>
+      <a:lightRig rig="threePt" dir="t"/>
+    </dgm:scene3d>
+    <dgm:sp3d/>
+    <dgm:txPr/>
+    <dgm:style>
+      <a:lnRef idx="2">
+        <a:scrgbClr r="0" g="0" b="0"/>
+      </a:lnRef>
+      <a:fillRef idx="1">
+        <a:scrgbClr r="0" g="0" b="0"/>
+      </a:fillRef>
+      <a:effectRef idx="0">
+        <a:scrgbClr r="0" g="0" b="0"/>
+      </a:effectRef>
+      <a:fontRef idx="minor">
+        <a:schemeClr val="lt1"/>
+      </a:fontRef>
+    </dgm:style>
+  </dgm:styleLbl>
+  <dgm:styleLbl name="lnNode1">
+    <dgm:scene3d>
+      <a:camera prst="orthographicFront"/>
+      <a:lightRig rig="threePt" dir="t"/>
+    </dgm:scene3d>
+    <dgm:sp3d/>
+    <dgm:txPr/>
+    <dgm:style>
+      <a:lnRef idx="2">
+        <a:scrgbClr r="0" g="0" b="0"/>
+      </a:lnRef>
+      <a:fillRef idx="1">
+        <a:scrgbClr r="0" g="0" b="0"/>
+      </a:fillRef>
+      <a:effectRef idx="0">
+        <a:scrgbClr r="0" g="0" b="0"/>
+      </a:effectRef>
+      <a:fontRef idx="minor">
+        <a:schemeClr val="lt1"/>
+      </a:fontRef>
+    </dgm:style>
+  </dgm:styleLbl>
+  <dgm:styleLbl name="vennNode1">
+    <dgm:scene3d>
+      <a:camera prst="orthographicFront"/>
+      <a:lightRig rig="threePt" dir="t"/>
+    </dgm:scene3d>
+    <dgm:sp3d/>
+    <dgm:txPr/>
+    <dgm:style>
+      <a:lnRef idx="2">
+        <a:scrgbClr r="0" g="0" b="0"/>
+      </a:lnRef>
+      <a:fillRef idx="1">
+        <a:scrgbClr r="0" g="0" b="0"/>
+      </a:fillRef>
+      <a:effectRef idx="0">
+        <a:scrgbClr r="0" g="0" b="0"/>
+      </a:effectRef>
+      <a:fontRef idx="minor">
+        <a:schemeClr val="tx1"/>
+      </a:fontRef>
+    </dgm:style>
+  </dgm:styleLbl>
+  <dgm:styleLbl name="alignNode1">
+    <dgm:scene3d>
+      <a:camera prst="orthographicFront"/>
+      <a:lightRig rig="threePt" dir="t"/>
+    </dgm:scene3d>
+    <dgm:sp3d/>
+    <dgm:txPr/>
+    <dgm:style>
+      <a:lnRef idx="2">
+        <a:scrgbClr r="0" g="0" b="0"/>
+      </a:lnRef>
+      <a:fillRef idx="1">
+        <a:scrgbClr r="0" g="0" b="0"/>
+      </a:fillRef>
+      <a:effectRef idx="0">
+        <a:scrgbClr r="0" g="0" b="0"/>
+      </a:effectRef>
+      <a:fontRef idx="minor">
+        <a:schemeClr val="lt1"/>
+      </a:fontRef>
+    </dgm:style>
+  </dgm:styleLbl>
+  <dgm:styleLbl name="node1">
+    <dgm:scene3d>
+      <a:camera prst="orthographicFront"/>
+      <a:lightRig rig="threePt" dir="t"/>
+    </dgm:scene3d>
+    <dgm:sp3d/>
+    <dgm:txPr/>
+    <dgm:style>
+      <a:lnRef idx="2">
+        <a:scrgbClr r="0" g="0" b="0"/>
+      </a:lnRef>
+      <a:fillRef idx="1">
+        <a:scrgbClr r="0" g="0" b="0"/>
+      </a:fillRef>
+      <a:effectRef idx="0">
+        <a:scrgbClr r="0" g="0" b="0"/>
+      </a:effectRef>
+      <a:fontRef idx="minor">
+        <a:schemeClr val="lt1"/>
+      </a:fontRef>
+    </dgm:style>
+  </dgm:styleLbl>
+  <dgm:styleLbl name="node2">
+    <dgm:scene3d>
+      <a:camera prst="orthographicFront"/>
+      <a:lightRig rig="threePt" dir="t"/>
+    </dgm:scene3d>
+    <dgm:sp3d/>
+    <dgm:txPr/>
+    <dgm:style>
+      <a:lnRef idx="2">
+        <a:scrgbClr r="0" g="0" b="0"/>
+      </a:lnRef>
+      <a:fillRef idx="1">
+        <a:scrgbClr r="0" g="0" b="0"/>
+      </a:fillRef>
+      <a:effectRef idx="0">
+        <a:scrgbClr r="0" g="0" b="0"/>
+      </a:effectRef>
+      <a:fontRef idx="minor">
+        <a:schemeClr val="lt1"/>
+      </a:fontRef>
+    </dgm:style>
+  </dgm:styleLbl>
+  <dgm:styleLbl name="node3">
+    <dgm:scene3d>
+      <a:camera prst="orthographicFront"/>
+      <a:lightRig rig="threePt" dir="t"/>
+    </dgm:scene3d>
+    <dgm:sp3d/>
+    <dgm:txPr/>
+    <dgm:style>
+      <a:lnRef idx="2">
+        <a:scrgbClr r="0" g="0" b="0"/>
+      </a:lnRef>
+      <a:fillRef idx="1">
+        <a:scrgbClr r="0" g="0" b="0"/>
+      </a:fillRef>
+      <a:effectRef idx="0">
+        <a:scrgbClr r="0" g="0" b="0"/>
+      </a:effectRef>
+      <a:fontRef idx="minor">
+        <a:schemeClr val="lt1"/>
+      </a:fontRef>
+    </dgm:style>
+  </dgm:styleLbl>
+  <dgm:styleLbl name="node4">
+    <dgm:scene3d>
+      <a:camera prst="orthographicFront"/>
+      <a:lightRig rig="threePt" dir="t"/>
+    </dgm:scene3d>
+    <dgm:sp3d/>
+    <dgm:txPr/>
+    <dgm:style>
+      <a:lnRef idx="2">
+        <a:scrgbClr r="0" g="0" b="0"/>
+      </a:lnRef>
+      <a:fillRef idx="1">
+        <a:scrgbClr r="0" g="0" b="0"/>
+      </a:fillRef>
+      <a:effectRef idx="0">
+        <a:scrgbClr r="0" g="0" b="0"/>
+      </a:effectRef>
+      <a:fontRef idx="minor">
+        <a:schemeClr val="lt1"/>
+      </a:fontRef>
+    </dgm:style>
+  </dgm:styleLbl>
+  <dgm:styleLbl name="fgImgPlace1">
+    <dgm:scene3d>
+      <a:camera prst="orthographicFront"/>
+      <a:lightRig rig="threePt" dir="t"/>
+    </dgm:scene3d>
+    <dgm:sp3d/>
+    <dgm:txPr/>
+    <dgm:style>
+      <a:lnRef idx="2">
+        <a:scrgbClr r="0" g="0" b="0"/>
+      </a:lnRef>
+      <a:fillRef idx="1">
+        <a:scrgbClr r="0" g="0" b="0"/>
+      </a:fillRef>
+      <a:effectRef idx="0">
+        <a:scrgbClr r="0" g="0" b="0"/>
+      </a:effectRef>
+      <a:fontRef idx="minor"/>
+    </dgm:style>
+  </dgm:styleLbl>
+  <dgm:styleLbl name="alignImgPlace1">
+    <dgm:scene3d>
+      <a:camera prst="orthographicFront"/>
+      <a:lightRig rig="threePt" dir="t"/>
+    </dgm:scene3d>
+    <dgm:sp3d/>
+    <dgm:txPr/>
+    <dgm:style>
+      <a:lnRef idx="2">
+        <a:scrgbClr r="0" g="0" b="0"/>
+      </a:lnRef>
+      <a:fillRef idx="1">
+        <a:scrgbClr r="0" g="0" b="0"/>
+      </a:fillRef>
+      <a:effectRef idx="0">
+        <a:scrgbClr r="0" g="0" b="0"/>
+      </a:effectRef>
+      <a:fontRef idx="minor"/>
+    </dgm:style>
+  </dgm:styleLbl>
+  <dgm:styleLbl name="bgImgPlace1">
+    <dgm:scene3d>
+      <a:camera prst="orthographicFront"/>
+      <a:lightRig rig="threePt" dir="t"/>
+    </dgm:scene3d>
+    <dgm:sp3d/>
+    <dgm:txPr/>
+    <dgm:style>
+      <a:lnRef idx="2">
+        <a:scrgbClr r="0" g="0" b="0"/>
+      </a:lnRef>
+      <a:fillRef idx="1">
+        <a:scrgbClr r="0" g="0" b="0"/>
+      </a:fillRef>
+      <a:effectRef idx="0">
+        <a:scrgbClr r="0" g="0" b="0"/>
+      </a:effectRef>
+      <a:fontRef idx="minor"/>
+    </dgm:style>
+  </dgm:styleLbl>
+  <dgm:styleLbl name="sibTrans2D1">
+    <dgm:scene3d>
+      <a:camera prst="orthographicFront"/>
+      <a:lightRig rig="threePt" dir="t"/>
+    </dgm:scene3d>
+    <dgm:sp3d/>
+    <dgm:txPr/>
+    <dgm:style>
+      <a:lnRef idx="0">
+        <a:scrgbClr r="0" g="0" b="0"/>
+      </a:lnRef>
+      <a:fillRef idx="1">
+        <a:scrgbClr r="0" g="0" b="0"/>
+      </a:fillRef>
+      <a:effectRef idx="0">
+        <a:scrgbClr r="0" g="0" b="0"/>
+      </a:effectRef>
+      <a:fontRef idx="minor">
+        <a:schemeClr val="lt1"/>
+      </a:fontRef>
+    </dgm:style>
+  </dgm:styleLbl>
+  <dgm:styleLbl name="fgSibTrans2D1">
+    <dgm:scene3d>
+      <a:camera prst="orthographicFront"/>
+      <a:lightRig rig="threePt" dir="t"/>
+    </dgm:scene3d>
+    <dgm:sp3d/>
+    <dgm:txPr/>
+    <dgm:style>
+      <a:lnRef idx="0">
+        <a:scrgbClr r="0" g="0" b="0"/>
+      </a:lnRef>
+      <a:fillRef idx="1">
+        <a:scrgbClr r="0" g="0" b="0"/>
+      </a:fillRef>
+      <a:effectRef idx="0">
+        <a:scrgbClr r="0" g="0" b="0"/>
+      </a:effectRef>
+      <a:fontRef idx="minor">
+        <a:schemeClr val="lt1"/>
+      </a:fontRef>
+    </dgm:style>
+  </dgm:styleLbl>
+  <dgm:styleLbl name="bgSibTrans2D1">
+    <dgm:scene3d>
+      <a:camera prst="orthographicFront"/>
+      <a:lightRig rig="threePt" dir="t"/>
+    </dgm:scene3d>
+    <dgm:sp3d/>
+    <dgm:txPr/>
+    <dgm:style>
+      <a:lnRef idx="0">
+        <a:scrgbClr r="0" g="0" b="0"/>
+      </a:lnRef>
+      <a:fillRef idx="1">
+        <a:scrgbClr r="0" g="0" b="0"/>
+      </a:fillRef>
+      <a:effectRef idx="0">
+        <a:scrgbClr r="0" g="0" b="0"/>
+      </a:effectRef>
+      <a:fontRef idx="minor">
+        <a:schemeClr val="lt1"/>
+      </a:fontRef>
+    </dgm:style>
+  </dgm:styleLbl>
+  <dgm:styleLbl name="sibTrans1D1">
+    <dgm:scene3d>
+      <a:camera prst="orthographicFront"/>
+      <a:lightRig rig="threePt" dir="t"/>
+    </dgm:scene3d>
+    <dgm:sp3d/>
+    <dgm:txPr/>
+    <dgm:style>
+      <a:lnRef idx="1">
+        <a:scrgbClr r="0" g="0" b="0"/>
+      </a:lnRef>
+      <a:fillRef idx="0">
+        <a:scrgbClr r="0" g="0" b="0"/>
+      </a:fillRef>
+      <a:effectRef idx="0">
+        <a:scrgbClr r="0" g="0" b="0"/>
+      </a:effectRef>
+      <a:fontRef idx="minor"/>
+    </dgm:style>
+  </dgm:styleLbl>
+  <dgm:styleLbl name="callout">
+    <dgm:scene3d>
+      <a:camera prst="orthographicFront"/>
+      <a:lightRig rig="threePt" dir="t"/>
+    </dgm:scene3d>
+    <dgm:sp3d/>
+    <dgm:txPr/>
+    <dgm:style>
+      <a:lnRef idx="2">
+        <a:scrgbClr r="0" g="0" b="0"/>
+      </a:lnRef>
+      <a:fillRef idx="1">
+        <a:scrgbClr r="0" g="0" b="0"/>
+      </a:fillRef>
+      <a:effectRef idx="0">
+        <a:scrgbClr r="0" g="0" b="0"/>
+      </a:effectRef>
+      <a:fontRef idx="minor"/>
+    </dgm:style>
+  </dgm:styleLbl>
+  <dgm:styleLbl name="asst0">
+    <dgm:scene3d>
+      <a:camera prst="orthographicFront"/>
+      <a:lightRig rig="threePt" dir="t"/>
+    </dgm:scene3d>
+    <dgm:sp3d/>
+    <dgm:txPr/>
+    <dgm:style>
+      <a:lnRef idx="2">
+        <a:scrgbClr r="0" g="0" b="0"/>
+      </a:lnRef>
+      <a:fillRef idx="1">
+        <a:scrgbClr r="0" g="0" b="0"/>
+      </a:fillRef>
+      <a:effectRef idx="0">
+        <a:scrgbClr r="0" g="0" b="0"/>
+      </a:effectRef>
+      <a:fontRef idx="minor">
+        <a:schemeClr val="lt1"/>
+      </a:fontRef>
+    </dgm:style>
+  </dgm:styleLbl>
+  <dgm:styleLbl name="asst1">
+    <dgm:scene3d>
+      <a:camera prst="orthographicFront"/>
+      <a:lightRig rig="threePt" dir="t"/>
+    </dgm:scene3d>
+    <dgm:sp3d/>
+    <dgm:txPr/>
+    <dgm:style>
+      <a:lnRef idx="2">
+        <a:scrgbClr r="0" g="0" b="0"/>
+      </a:lnRef>
+      <a:fillRef idx="1">
+        <a:scrgbClr r="0" g="0" b="0"/>
+      </a:fillRef>
+      <a:effectRef idx="0">
+        <a:scrgbClr r="0" g="0" b="0"/>
+      </a:effectRef>
+      <a:fontRef idx="minor">
+        <a:schemeClr val="lt1"/>
+      </a:fontRef>
+    </dgm:style>
+  </dgm:styleLbl>
+  <dgm:styleLbl name="asst2">
+    <dgm:scene3d>
+      <a:camera prst="orthographicFront"/>
+      <a:lightRig rig="threePt" dir="t"/>
+    </dgm:scene3d>
+    <dgm:sp3d/>
+    <dgm:txPr/>
+    <dgm:style>
+      <a:lnRef idx="2">
+        <a:scrgbClr r="0" g="0" b="0"/>
+      </a:lnRef>
+      <a:fillRef idx="1">
+        <a:scrgbClr r="0" g="0" b="0"/>
+      </a:fillRef>
+      <a:effectRef idx="0">
+        <a:scrgbClr r="0" g="0" b="0"/>
+      </a:effectRef>
+      <a:fontRef idx="minor">
+        <a:schemeClr val="lt1"/>
+      </a:fontRef>
+    </dgm:style>
+  </dgm:styleLbl>
+  <dgm:styleLbl name="asst3">
+    <dgm:scene3d>
+      <a:camera prst="orthographicFront"/>
+      <a:lightRig rig="threePt" dir="t"/>
+    </dgm:scene3d>
+    <dgm:sp3d/>
+    <dgm:txPr/>
+    <dgm:style>
+      <a:lnRef idx="2">
+        <a:scrgbClr r="0" g="0" b="0"/>
+      </a:lnRef>
+      <a:fillRef idx="1">
+        <a:scrgbClr r="0" g="0" b="0"/>
+      </a:fillRef>
+      <a:effectRef idx="0">
+        <a:scrgbClr r="0" g="0" b="0"/>
+      </a:effectRef>
+      <a:fontRef idx="minor">
+        <a:schemeClr val="lt1"/>
+      </a:fontRef>
+    </dgm:style>
+  </dgm:styleLbl>
+  <dgm:styleLbl name="asst4">
+    <dgm:scene3d>
+      <a:camera prst="orthographicFront"/>
+      <a:lightRig rig="threePt" dir="t"/>
+    </dgm:scene3d>
+    <dgm:sp3d/>
+    <dgm:txPr/>
+    <dgm:style>
+      <a:lnRef idx="2">
+        <a:scrgbClr r="0" g="0" b="0"/>
+      </a:lnRef>
+      <a:fillRef idx="1">
+        <a:scrgbClr r="0" g="0" b="0"/>
+      </a:fillRef>
+      <a:effectRef idx="0">
+        <a:scrgbClr r="0" g="0" b="0"/>
+      </a:effectRef>
+      <a:fontRef idx="minor">
+        <a:schemeClr val="lt1"/>
+      </a:fontRef>
+    </dgm:style>
+  </dgm:styleLbl>
+  <dgm:styleLbl name="parChTrans2D1">
+    <dgm:scene3d>
+      <a:camera prst="orthographicFront"/>
+      <a:lightRig rig="threePt" dir="t"/>
+    </dgm:scene3d>
+    <dgm:sp3d/>
+    <dgm:txPr/>
+    <dgm:style>
+      <a:lnRef idx="2">
+        <a:scrgbClr r="0" g="0" b="0"/>
+      </a:lnRef>
+      <a:fillRef idx="1">
+        <a:scrgbClr r="0" g="0" b="0"/>
+      </a:fillRef>
+      <a:effectRef idx="0">
+        <a:scrgbClr r="0" g="0" b="0"/>
+      </a:effectRef>
+      <a:fontRef idx="minor">
+        <a:schemeClr val="lt1"/>
+      </a:fontRef>
+    </dgm:style>
+  </dgm:styleLbl>
+  <dgm:styleLbl name="parChTrans2D2">
+    <dgm:scene3d>
+      <a:camera prst="orthographicFront"/>
+      <a:lightRig rig="threePt" dir="t"/>
+    </dgm:scene3d>
+    <dgm:sp3d/>
+    <dgm:txPr/>
+    <dgm:style>
+      <a:lnRef idx="2">
+        <a:scrgbClr r="0" g="0" b="0"/>
+      </a:lnRef>
+      <a:fillRef idx="1">
+        <a:scrgbClr r="0" g="0" b="0"/>
+      </a:fillRef>
+      <a:effectRef idx="0">
+        <a:scrgbClr r="0" g="0" b="0"/>
+      </a:effectRef>
+      <a:fontRef idx="minor">
+        <a:schemeClr val="lt1"/>
+      </a:fontRef>
+    </dgm:style>
+  </dgm:styleLbl>
+  <dgm:styleLbl name="parChTrans2D3">
+    <dgm:scene3d>
+      <a:camera prst="orthographicFront"/>
+      <a:lightRig rig="threePt" dir="t"/>
+    </dgm:scene3d>
+    <dgm:sp3d/>
+    <dgm:txPr/>
+    <dgm:style>
+      <a:lnRef idx="2">
+        <a:scrgbClr r="0" g="0" b="0"/>
+      </a:lnRef>
+      <a:fillRef idx="1">
+        <a:scrgbClr r="0" g="0" b="0"/>
+      </a:fillRef>
+      <a:effectRef idx="0">
+        <a:scrgbClr r="0" g="0" b="0"/>
+      </a:effectRef>
+      <a:fontRef idx="minor">
+        <a:schemeClr val="lt1"/>
+      </a:fontRef>
+    </dgm:style>
+  </dgm:styleLbl>
+  <dgm:styleLbl name="parChTrans2D4">
+    <dgm:scene3d>
+      <a:camera prst="orthographicFront"/>
+      <a:lightRig rig="threePt" dir="t"/>
+    </dgm:scene3d>
+    <dgm:sp3d/>
+    <dgm:txPr/>
+    <dgm:style>
+      <a:lnRef idx="2">
+        <a:scrgbClr r="0" g="0" b="0"/>
+      </a:lnRef>
+      <a:fillRef idx="1">
+        <a:scrgbClr r="0" g="0" b="0"/>
+      </a:fillRef>
+      <a:effectRef idx="0">
+        <a:scrgbClr r="0" g="0" b="0"/>
+      </a:effectRef>
+      <a:fontRef idx="minor">
+        <a:schemeClr val="lt1"/>
+      </a:fontRef>
+    </dgm:style>
+  </dgm:styleLbl>
+  <dgm:styleLbl name="parChTrans1D1">
+    <dgm:scene3d>
+      <a:camera prst="orthographicFront"/>
+      <a:lightRig rig="threePt" dir="t"/>
+    </dgm:scene3d>
+    <dgm:sp3d/>
+    <dgm:txPr/>
+    <dgm:style>
+      <a:lnRef idx="2">
+        <a:scrgbClr r="0" g="0" b="0"/>
+      </a:lnRef>
+      <a:fillRef idx="0">
+        <a:scrgbClr r="0" g="0" b="0"/>
+      </a:fillRef>
+      <a:effectRef idx="0">
+        <a:scrgbClr r="0" g="0" b="0"/>
+      </a:effectRef>
+      <a:fontRef idx="minor"/>
+    </dgm:style>
+  </dgm:styleLbl>
+  <dgm:styleLbl name="parChTrans1D2">
+    <dgm:scene3d>
+      <a:camera prst="orthographicFront"/>
+      <a:lightRig rig="threePt" dir="t"/>
+    </dgm:scene3d>
+    <dgm:sp3d/>
+    <dgm:txPr/>
+    <dgm:style>
+      <a:lnRef idx="2">
+        <a:scrgbClr r="0" g="0" b="0"/>
+      </a:lnRef>
+      <a:fillRef idx="0">
+        <a:scrgbClr r="0" g="0" b="0"/>
+      </a:fillRef>
+      <a:effectRef idx="0">
+        <a:scrgbClr r="0" g="0" b="0"/>
+      </a:effectRef>
+      <a:fontRef idx="minor"/>
+    </dgm:style>
+  </dgm:styleLbl>
+  <dgm:styleLbl name="parChTrans1D3">
+    <dgm:scene3d>
+      <a:camera prst="orthographicFront"/>
+      <a:lightRig rig="threePt" dir="t"/>
+    </dgm:scene3d>
+    <dgm:sp3d/>
+    <dgm:txPr/>
+    <dgm:style>
+      <a:lnRef idx="2">
+        <a:scrgbClr r="0" g="0" b="0"/>
+      </a:lnRef>
+      <a:fillRef idx="0">
+        <a:scrgbClr r="0" g="0" b="0"/>
+      </a:fillRef>
+      <a:effectRef idx="0">
+        <a:scrgbClr r="0" g="0" b="0"/>
+      </a:effectRef>
+      <a:fontRef idx="minor"/>
+    </dgm:style>
+  </dgm:styleLbl>
+  <dgm:styleLbl name="parChTrans1D4">
+    <dgm:scene3d>
+      <a:camera prst="orthographicFront"/>
+      <a:lightRig rig="threePt" dir="t"/>
+    </dgm:scene3d>
+    <dgm:sp3d/>
+    <dgm:txPr/>
+    <dgm:style>
+      <a:lnRef idx="2">
+        <a:scrgbClr r="0" g="0" b="0"/>
+      </a:lnRef>
+      <a:fillRef idx="0">
+        <a:scrgbClr r="0" g="0" b="0"/>
+      </a:fillRef>
+      <a:effectRef idx="0">
+        <a:scrgbClr r="0" g="0" b="0"/>
+      </a:effectRef>
+      <a:fontRef idx="minor"/>
+    </dgm:style>
+  </dgm:styleLbl>
+  <dgm:styleLbl name="fgAcc1">
+    <dgm:scene3d>
+      <a:camera prst="orthographicFront"/>
+      <a:lightRig rig="threePt" dir="t"/>
+    </dgm:scene3d>
+    <dgm:sp3d/>
+    <dgm:txPr/>
+    <dgm:style>
+      <a:lnRef idx="2">
+        <a:scrgbClr r="0" g="0" b="0"/>
+      </a:lnRef>
+      <a:fillRef idx="1">
+        <a:scrgbClr r="0" g="0" b="0"/>
+      </a:fillRef>
+      <a:effectRef idx="0">
+        <a:scrgbClr r="0" g="0" b="0"/>
+      </a:effectRef>
+      <a:fontRef idx="minor"/>
+    </dgm:style>
+  </dgm:styleLbl>
+  <dgm:styleLbl name="conFgAcc1">
+    <dgm:scene3d>
+      <a:camera prst="orthographicFront"/>
+      <a:lightRig rig="threePt" dir="t"/>
+    </dgm:scene3d>
+    <dgm:sp3d/>
+    <dgm:txPr/>
+    <dgm:style>
+      <a:lnRef idx="2">
+        <a:scrgbClr r="0" g="0" b="0"/>
+      </a:lnRef>
+      <a:fillRef idx="1">
+        <a:scrgbClr r="0" g="0" b="0"/>
+      </a:fillRef>
+      <a:effectRef idx="0">
+        <a:scrgbClr r="0" g="0" b="0"/>
+      </a:effectRef>
+      <a:fontRef idx="minor"/>
+    </dgm:style>
+  </dgm:styleLbl>
+  <dgm:styleLbl name="alignAcc1">
+    <dgm:scene3d>
+      <a:camera prst="orthographicFront"/>
+      <a:lightRig rig="threePt" dir="t"/>
+    </dgm:scene3d>
+    <dgm:sp3d/>
+    <dgm:txPr/>
+    <dgm:style>
+      <a:lnRef idx="2">
+        <a:scrgbClr r="0" g="0" b="0"/>
+      </a:lnRef>
+      <a:fillRef idx="1">
+        <a:scrgbClr r="0" g="0" b="0"/>
+      </a:fillRef>
+      <a:effectRef idx="0">
+        <a:scrgbClr r="0" g="0" b="0"/>
+      </a:effectRef>
+      <a:fontRef idx="minor"/>
+    </dgm:style>
+  </dgm:styleLbl>
+  <dgm:styleLbl name="trAlignAcc1">
+    <dgm:scene3d>
+      <a:camera prst="orthographicFront"/>
+      <a:lightRig rig="threePt" dir="t"/>
+    </dgm:scene3d>
+    <dgm:sp3d/>
+    <dgm:txPr/>
+    <dgm:style>
+      <a:lnRef idx="1">
+        <a:scrgbClr r="0" g="0" b="0"/>
+      </a:lnRef>
+      <a:fillRef idx="1">
+        <a:scrgbClr r="0" g="0" b="0"/>
+      </a:fillRef>
+      <a:effectRef idx="0">
+        <a:scrgbClr r="0" g="0" b="0"/>
+      </a:effectRef>
+      <a:fontRef idx="minor"/>
+    </dgm:style>
+  </dgm:styleLbl>
+  <dgm:styleLbl name="bgAcc1">
+    <dgm:scene3d>
+      <a:camera prst="orthographicFront"/>
+      <a:lightRig rig="threePt" dir="t"/>
+    </dgm:scene3d>
+    <dgm:sp3d/>
+    <dgm:txPr/>
+    <dgm:style>
+      <a:lnRef idx="2">
+        <a:scrgbClr r="0" g="0" b="0"/>
+      </a:lnRef>
+      <a:fillRef idx="1">
+        <a:scrgbClr r="0" g="0" b="0"/>
+      </a:fillRef>
+      <a:effectRef idx="0">
+        <a:scrgbClr r="0" g="0" b="0"/>
+      </a:effectRef>
+      <a:fontRef idx="minor"/>
+    </dgm:style>
+  </dgm:styleLbl>
+  <dgm:styleLbl name="solidFgAcc1">
+    <dgm:scene3d>
+      <a:camera prst="orthographicFront"/>
+      <a:lightRig rig="threePt" dir="t"/>
+    </dgm:scene3d>
+    <dgm:sp3d/>
+    <dgm:txPr/>
+    <dgm:style>
+      <a:lnRef idx="2">
+        <a:scrgbClr r="0" g="0" b="0"/>
+      </a:lnRef>
+      <a:fillRef idx="1">
+        <a:scrgbClr r="0" g="0" b="0"/>
+      </a:fillRef>
+      <a:effectRef idx="0">
+        <a:scrgbClr r="0" g="0" b="0"/>
+      </a:effectRef>
+      <a:fontRef idx="minor"/>
+    </dgm:style>
+  </dgm:styleLbl>
+  <dgm:styleLbl name="solidAlignAcc1">
+    <dgm:scene3d>
+      <a:camera prst="orthographicFront"/>
+      <a:lightRig rig="threePt" dir="t"/>
+    </dgm:scene3d>
+    <dgm:sp3d/>
+    <dgm:txPr/>
+    <dgm:style>
+      <a:lnRef idx="2">
+        <a:scrgbClr r="0" g="0" b="0"/>
+      </a:lnRef>
+      <a:fillRef idx="1">
+        <a:scrgbClr r="0" g="0" b="0"/>
+      </a:fillRef>
+      <a:effectRef idx="0">
+        <a:scrgbClr r="0" g="0" b="0"/>
+      </a:effectRef>
+      <a:fontRef idx="minor"/>
+    </dgm:style>
+  </dgm:styleLbl>
+  <dgm:styleLbl name="solidBgAcc1">
+    <dgm:scene3d>
+      <a:camera prst="orthographicFront"/>
+      <a:lightRig rig="threePt" dir="t"/>
+    </dgm:scene3d>
+    <dgm:sp3d/>
+    <dgm:txPr/>
+    <dgm:style>
+      <a:lnRef idx="2">
+        <a:scrgbClr r="0" g="0" b="0"/>
+      </a:lnRef>
+      <a:fillRef idx="1">
+        <a:scrgbClr r="0" g="0" b="0"/>
+      </a:fillRef>
+      <a:effectRef idx="0">
+        <a:scrgbClr r="0" g="0" b="0"/>
+      </a:effectRef>
+      <a:fontRef idx="minor"/>
+    </dgm:style>
+  </dgm:styleLbl>
+  <dgm:styleLbl name="fgAccFollowNode1">
+    <dgm:scene3d>
+      <a:camera prst="orthographicFront"/>
+      <a:lightRig rig="threePt" dir="t"/>
+    </dgm:scene3d>
+    <dgm:sp3d/>
+    <dgm:txPr/>
+    <dgm:style>
+      <a:lnRef idx="2">
+        <a:scrgbClr r="0" g="0" b="0"/>
+      </a:lnRef>
+      <a:fillRef idx="1">
+        <a:scrgbClr r="0" g="0" b="0"/>
+      </a:fillRef>
+      <a:effectRef idx="0">
+        <a:scrgbClr r="0" g="0" b="0"/>
+      </a:effectRef>
+      <a:fontRef idx="minor"/>
+    </dgm:style>
+  </dgm:styleLbl>
+  <dgm:styleLbl name="alignAccFollowNode1">
+    <dgm:scene3d>
+      <a:camera prst="orthographicFront"/>
+      <a:lightRig rig="threePt" dir="t"/>
+    </dgm:scene3d>
+    <dgm:sp3d/>
+    <dgm:txPr/>
+    <dgm:style>
+      <a:lnRef idx="2">
+        <a:scrgbClr r="0" g="0" b="0"/>
+      </a:lnRef>
+      <a:fillRef idx="1">
+        <a:scrgbClr r="0" g="0" b="0"/>
+      </a:fillRef>
+      <a:effectRef idx="0">
+        <a:scrgbClr r="0" g="0" b="0"/>
+      </a:effectRef>
+      <a:fontRef idx="minor"/>
+    </dgm:style>
+  </dgm:styleLbl>
+  <dgm:styleLbl name="bgAccFollowNode1">
+    <dgm:scene3d>
+      <a:camera prst="orthographicFront"/>
+      <a:lightRig rig="threePt" dir="t"/>
+    </dgm:scene3d>
+    <dgm:sp3d/>
+    <dgm:txPr/>
+    <dgm:style>
+      <a:lnRef idx="2">
+        <a:scrgbClr r="0" g="0" b="0"/>
+      </a:lnRef>
+      <a:fillRef idx="1">
+        <a:scrgbClr r="0" g="0" b="0"/>
+      </a:fillRef>
+      <a:effectRef idx="0">
+        <a:scrgbClr r="0" g="0" b="0"/>
+      </a:effectRef>
+      <a:fontRef idx="minor"/>
+    </dgm:style>
+  </dgm:styleLbl>
+  <dgm:styleLbl name="fgAcc0">
+    <dgm:scene3d>
+      <a:camera prst="orthographicFront"/>
+      <a:lightRig rig="threePt" dir="t"/>
+    </dgm:scene3d>
+    <dgm:sp3d/>
+    <dgm:txPr/>
+    <dgm:style>
+      <a:lnRef idx="2">
+        <a:scrgbClr r="0" g="0" b="0"/>
+      </a:lnRef>
+      <a:fillRef idx="1">
+        <a:scrgbClr r="0" g="0" b="0"/>
+      </a:fillRef>
+      <a:effectRef idx="0">
+        <a:scrgbClr r="0" g="0" b="0"/>
+      </a:effectRef>
+      <a:fontRef idx="minor"/>
+    </dgm:style>
+  </dgm:styleLbl>
+  <dgm:styleLbl name="fgAcc2">
+    <dgm:scene3d>
+      <a:camera prst="orthographicFront"/>
+      <a:lightRig rig="threePt" dir="t"/>
+    </dgm:scene3d>
+    <dgm:sp3d/>
+    <dgm:txPr/>
+    <dgm:style>
+      <a:lnRef idx="2">
+        <a:scrgbClr r="0" g="0" b="0"/>
+      </a:lnRef>
+      <a:fillRef idx="1">
+        <a:scrgbClr r="0" g="0" b="0"/>
+      </a:fillRef>
+      <a:effectRef idx="0">
+        <a:scrgbClr r="0" g="0" b="0"/>
+      </a:effectRef>
+      <a:fontRef idx="minor"/>
+    </dgm:style>
+  </dgm:styleLbl>
+  <dgm:styleLbl name="fgAcc3">
+    <dgm:scene3d>
+      <a:camera prst="orthographicFront"/>
+      <a:lightRig rig="threePt" dir="t"/>
+    </dgm:scene3d>
+    <dgm:sp3d/>
+    <dgm:txPr/>
+    <dgm:style>
+      <a:lnRef idx="2">
+        <a:scrgbClr r="0" g="0" b="0"/>
+      </a:lnRef>
+      <a:fillRef idx="1">
+        <a:scrgbClr r="0" g="0" b="0"/>
+      </a:fillRef>
+      <a:effectRef idx="0">
+        <a:scrgbClr r="0" g="0" b="0"/>
+      </a:effectRef>
+      <a:fontRef idx="minor"/>
+    </dgm:style>
+  </dgm:styleLbl>
+  <dgm:styleLbl name="fgAcc4">
+    <dgm:scene3d>
+      <a:camera prst="orthographicFront"/>
+      <a:lightRig rig="threePt" dir="t"/>
+    </dgm:scene3d>
+    <dgm:sp3d/>
+    <dgm:txPr/>
+    <dgm:style>
+      <a:lnRef idx="2">
+        <a:scrgbClr r="0" g="0" b="0"/>
+      </a:lnRef>
+      <a:fillRef idx="1">
+        <a:scrgbClr r="0" g="0" b="0"/>
+      </a:fillRef>
+      <a:effectRef idx="0">
+        <a:scrgbClr r="0" g="0" b="0"/>
+      </a:effectRef>
+      <a:fontRef idx="minor"/>
+    </dgm:style>
+  </dgm:styleLbl>
+  <dgm:styleLbl name="bgShp">
+    <dgm:scene3d>
+      <a:camera prst="orthographicFront"/>
+      <a:lightRig rig="threePt" dir="t"/>
+    </dgm:scene3d>
+    <dgm:sp3d/>
+    <dgm:txPr/>
+    <dgm:style>
+      <a:lnRef idx="0">
+        <a:scrgbClr r="0" g="0" b="0"/>
+      </a:lnRef>
+      <a:fillRef idx="1">
+        <a:scrgbClr r="0" g="0" b="0"/>
+      </a:fillRef>
+      <a:effectRef idx="0">
+        <a:scrgbClr r="0" g="0" b="0"/>
+      </a:effectRef>
+      <a:fontRef idx="minor"/>
+    </dgm:style>
+  </dgm:styleLbl>
+  <dgm:styleLbl name="dkBgShp">
+    <dgm:scene3d>
+      <a:camera prst="orthographicFront"/>
+      <a:lightRig rig="threePt" dir="t"/>
+    </dgm:scene3d>
+    <dgm:sp3d/>
+    <dgm:txPr/>
+    <dgm:style>
+      <a:lnRef idx="0">
+        <a:scrgbClr r="0" g="0" b="0"/>
+      </a:lnRef>
+      <a:fillRef idx="1">
+        <a:scrgbClr r="0" g="0" b="0"/>
+      </a:fillRef>
+      <a:effectRef idx="0">
+        <a:scrgbClr r="0" g="0" b="0"/>
+      </a:effectRef>
+      <a:fontRef idx="minor"/>
+    </dgm:style>
+  </dgm:styleLbl>
+  <dgm:styleLbl name="trBgShp">
+    <dgm:scene3d>
+      <a:camera prst="orthographicFront"/>
+      <a:lightRig rig="threePt" dir="t"/>
+    </dgm:scene3d>
+    <dgm:sp3d/>
+    <dgm:txPr/>
+    <dgm:style>
+      <a:lnRef idx="0">
+        <a:scrgbClr r="0" g="0" b="0"/>
+      </a:lnRef>
+      <a:fillRef idx="1">
+        <a:scrgbClr r="0" g="0" b="0"/>
+      </a:fillRef>
+      <a:effectRef idx="0">
+        <a:scrgbClr r="0" g="0" b="0"/>
+      </a:effectRef>
+      <a:fontRef idx="minor"/>
+    </dgm:style>
+  </dgm:styleLbl>
+  <dgm:styleLbl name="fgShp">
+    <dgm:scene3d>
+      <a:camera prst="orthographicFront"/>
+      <a:lightRig rig="threePt" dir="t"/>
+    </dgm:scene3d>
+    <dgm:sp3d/>
+    <dgm:txPr/>
+    <dgm:style>
+      <a:lnRef idx="2">
+        <a:scrgbClr r="0" g="0" b="0"/>
+      </a:lnRef>
+      <a:fillRef idx="1">
+        <a:scrgbClr r="0" g="0" b="0"/>
+      </a:fillRef>
+      <a:effectRef idx="0">
+        <a:scrgbClr r="0" g="0" b="0"/>
+      </a:effectRef>
+      <a:fontRef idx="minor"/>
+    </dgm:style>
+  </dgm:styleLbl>
+  <dgm:styleLbl name="revTx">
+    <dgm:scene3d>
+      <a:camera prst="orthographicFront"/>
+      <a:lightRig rig="threePt" dir="t"/>
+    </dgm:scene3d>
+    <dgm:sp3d/>
+    <dgm:txPr/>
+    <dgm:style>
+      <a:lnRef idx="0">
+        <a:scrgbClr r="0" g="0" b="0"/>
+      </a:lnRef>
+      <a:fillRef idx="0">
+        <a:scrgbClr r="0" g="0" b="0"/>
+      </a:fillRef>
+      <a:effectRef idx="0">
+        <a:scrgbClr r="0" g="0" b="0"/>
+      </a:effectRef>
+      <a:fontRef idx="minor"/>
+    </dgm:style>
+  </dgm:styleLbl>
+</dgm:styleDef>
+</file>
+
 <file path=ppt/slideLayouts/slideLayout1.xml><?xml version="1.0" encoding="utf-8"?>
 <p:sldLayout xmlns:a="http://schemas.openxmlformats.org/drawingml/2006/main" xmlns:r="http://schemas.openxmlformats.org/officeDocument/2006/relationships" xmlns:p="http://schemas.openxmlformats.org/presentationml/2006/main" type="title" preserve="1">
   <p:cSld name="标题幻灯片">
@@ -21171,7 +23275,7 @@
           <a:p>
             <a:fld id="{530820CF-B880-4189-942D-D702A7CBA730}" type="datetimeFigureOut">
               <a:rPr lang="zh-CN" altLang="en-US" smtClean="0"/>
-              <a:t>2018/9/11</a:t>
+              <a:t>2019/6/27</a:t>
             </a:fld>
             <a:endParaRPr lang="zh-CN" altLang="en-US"/>
           </a:p>
@@ -21336,7 +23440,7 @@
           <a:p>
             <a:fld id="{530820CF-B880-4189-942D-D702A7CBA730}" type="datetimeFigureOut">
               <a:rPr lang="zh-CN" altLang="en-US" smtClean="0"/>
-              <a:t>2018/9/11</a:t>
+              <a:t>2019/6/27</a:t>
             </a:fld>
             <a:endParaRPr lang="zh-CN" altLang="en-US"/>
           </a:p>
@@ -21511,7 +23615,7 @@
           <a:p>
             <a:fld id="{530820CF-B880-4189-942D-D702A7CBA730}" type="datetimeFigureOut">
               <a:rPr lang="zh-CN" altLang="en-US" smtClean="0"/>
-              <a:t>2018/9/11</a:t>
+              <a:t>2019/6/27</a:t>
             </a:fld>
             <a:endParaRPr lang="zh-CN" altLang="en-US"/>
           </a:p>
@@ -21694,7 +23798,7 @@
           <a:p>
             <a:fld id="{530820CF-B880-4189-942D-D702A7CBA730}" type="datetimeFigureOut">
               <a:rPr lang="zh-CN" altLang="en-US" smtClean="0"/>
-              <a:t>2018/9/11</a:t>
+              <a:t>2019/6/27</a:t>
             </a:fld>
             <a:endParaRPr lang="zh-CN" altLang="en-US"/>
           </a:p>
@@ -21956,7 +24060,7 @@
           <a:p>
             <a:fld id="{530820CF-B880-4189-942D-D702A7CBA730}" type="datetimeFigureOut">
               <a:rPr lang="zh-CN" altLang="en-US" smtClean="0"/>
-              <a:t>2018/9/11</a:t>
+              <a:t>2019/6/27</a:t>
             </a:fld>
             <a:endParaRPr lang="zh-CN" altLang="en-US"/>
           </a:p>
@@ -22304,7 +24408,7 @@
           <a:p>
             <a:fld id="{530820CF-B880-4189-942D-D702A7CBA730}" type="datetimeFigureOut">
               <a:rPr lang="zh-CN" altLang="en-US" smtClean="0"/>
-              <a:t>2018/9/11</a:t>
+              <a:t>2019/6/27</a:t>
             </a:fld>
             <a:endParaRPr lang="zh-CN" altLang="en-US"/>
           </a:p>
@@ -22612,7 +24716,7 @@
           <a:p>
             <a:fld id="{530820CF-B880-4189-942D-D702A7CBA730}" type="datetimeFigureOut">
               <a:rPr lang="zh-CN" altLang="en-US" smtClean="0"/>
-              <a:t>2018/9/11</a:t>
+              <a:t>2019/6/27</a:t>
             </a:fld>
             <a:endParaRPr lang="zh-CN" altLang="en-US"/>
           </a:p>
@@ -22839,7 +24943,7 @@
           <a:p>
             <a:fld id="{530820CF-B880-4189-942D-D702A7CBA730}" type="datetimeFigureOut">
               <a:rPr lang="zh-CN" altLang="en-US" smtClean="0"/>
-              <a:t>2018/9/11</a:t>
+              <a:t>2019/6/27</a:t>
             </a:fld>
             <a:endParaRPr lang="zh-CN" altLang="en-US"/>
           </a:p>
@@ -22929,7 +25033,7 @@
           <a:p>
             <a:fld id="{530820CF-B880-4189-942D-D702A7CBA730}" type="datetimeFigureOut">
               <a:rPr lang="zh-CN" altLang="en-US" smtClean="0"/>
-              <a:t>2018/9/11</a:t>
+              <a:t>2019/6/27</a:t>
             </a:fld>
             <a:endParaRPr lang="zh-CN" altLang="en-US"/>
           </a:p>
@@ -23217,7 +25321,7 @@
           <a:p>
             <a:fld id="{530820CF-B880-4189-942D-D702A7CBA730}" type="datetimeFigureOut">
               <a:rPr lang="zh-CN" altLang="en-US" smtClean="0"/>
-              <a:t>2018/9/11</a:t>
+              <a:t>2019/6/27</a:t>
             </a:fld>
             <a:endParaRPr lang="zh-CN" altLang="en-US"/>
           </a:p>
@@ -23486,7 +25590,7 @@
           <a:p>
             <a:fld id="{530820CF-B880-4189-942D-D702A7CBA730}" type="datetimeFigureOut">
               <a:rPr lang="zh-CN" altLang="en-US" smtClean="0"/>
-              <a:t>2018/9/11</a:t>
+              <a:t>2019/6/27</a:t>
             </a:fld>
             <a:endParaRPr lang="zh-CN" altLang="en-US"/>
           </a:p>
@@ -23696,7 +25800,7 @@
           <a:p>
             <a:fld id="{530820CF-B880-4189-942D-D702A7CBA730}" type="datetimeFigureOut">
               <a:rPr lang="zh-CN" altLang="en-US" smtClean="0"/>
-              <a:t>2018/9/11</a:t>
+              <a:t>2019/6/27</a:t>
             </a:fld>
             <a:endParaRPr lang="zh-CN" altLang="en-US"/>
           </a:p>
@@ -24692,6 +26796,92 @@
       </p:grpSpPr>
       <p:sp>
         <p:nvSpPr>
+          <p:cNvPr id="2" name="标题 1">
+            <a:extLst>
+              <a:ext uri="{FF2B5EF4-FFF2-40B4-BE49-F238E27FC236}">
+                <a16:creationId xmlns:a16="http://schemas.microsoft.com/office/drawing/2014/main" id="{C063D977-7FAE-469C-BC9C-B90F1A522552}"/>
+              </a:ext>
+            </a:extLst>
+          </p:cNvPr>
+          <p:cNvSpPr>
+            <a:spLocks noGrp="1"/>
+          </p:cNvSpPr>
+          <p:nvPr>
+            <p:ph type="title"/>
+          </p:nvPr>
+        </p:nvSpPr>
+        <p:spPr/>
+        <p:txBody>
+          <a:bodyPr/>
+          <a:lstStyle/>
+          <a:p>
+            <a:r>
+              <a:rPr lang="en-US" altLang="zh-CN" dirty="0"/>
+              <a:t>DEMO</a:t>
+            </a:r>
+            <a:endParaRPr lang="zh-CN" altLang="en-US" dirty="0"/>
+          </a:p>
+        </p:txBody>
+      </p:sp>
+      <p:graphicFrame>
+        <p:nvGraphicFramePr>
+          <p:cNvPr id="4" name="内容占位符 3">
+            <a:extLst>
+              <a:ext uri="{FF2B5EF4-FFF2-40B4-BE49-F238E27FC236}">
+                <a16:creationId xmlns:a16="http://schemas.microsoft.com/office/drawing/2014/main" id="{B8B18BB7-3F5B-4A97-AE5C-2157C1431461}"/>
+              </a:ext>
+            </a:extLst>
+          </p:cNvPr>
+          <p:cNvGraphicFramePr>
+            <a:graphicFrameLocks noGrp="1"/>
+          </p:cNvGraphicFramePr>
+          <p:nvPr>
+            <p:ph idx="1"/>
+            <p:extLst/>
+          </p:nvPr>
+        </p:nvGraphicFramePr>
+        <p:xfrm>
+          <a:off x="457200" y="1200150"/>
+          <a:ext cx="8229600" cy="3394075"/>
+        </p:xfrm>
+        <a:graphic>
+          <a:graphicData uri="http://schemas.openxmlformats.org/drawingml/2006/diagram">
+            <dgm:relIds xmlns:dgm="http://schemas.openxmlformats.org/drawingml/2006/diagram" xmlns:r="http://schemas.openxmlformats.org/officeDocument/2006/relationships" r:dm="rId2" r:lo="rId3" r:qs="rId4" r:cs="rId5"/>
+          </a:graphicData>
+        </a:graphic>
+      </p:graphicFrame>
+    </p:spTree>
+    <p:extLst>
+      <p:ext uri="{BB962C8B-B14F-4D97-AF65-F5344CB8AC3E}">
+        <p14:creationId xmlns:p14="http://schemas.microsoft.com/office/powerpoint/2010/main" val="4186021521"/>
+      </p:ext>
+    </p:extLst>
+  </p:cSld>
+  <p:clrMapOvr>
+    <a:masterClrMapping/>
+  </p:clrMapOvr>
+</p:sld>
+</file>
+
+<file path=ppt/slides/slide12.xml><?xml version="1.0" encoding="utf-8"?>
+<p:sld xmlns:a="http://schemas.openxmlformats.org/drawingml/2006/main" xmlns:r="http://schemas.openxmlformats.org/officeDocument/2006/relationships" xmlns:p="http://schemas.openxmlformats.org/presentationml/2006/main">
+  <p:cSld>
+    <p:spTree>
+      <p:nvGrpSpPr>
+        <p:cNvPr id="1" name=""/>
+        <p:cNvGrpSpPr/>
+        <p:nvPr/>
+      </p:nvGrpSpPr>
+      <p:grpSpPr>
+        <a:xfrm>
+          <a:off x="0" y="0"/>
+          <a:ext cx="0" cy="0"/>
+          <a:chOff x="0" y="0"/>
+          <a:chExt cx="0" cy="0"/>
+        </a:xfrm>
+      </p:grpSpPr>
+      <p:sp>
+        <p:nvSpPr>
           <p:cNvPr id="2" name="标题 1"/>
           <p:cNvSpPr>
             <a:spLocks noGrp="1"/>
@@ -25351,7 +27541,7 @@
           <a:graphicData uri="http://schemas.openxmlformats.org/presentationml/2006/ole">
             <mc:AlternateContent xmlns:mc="http://schemas.openxmlformats.org/markup-compatibility/2006">
               <mc:Choice xmlns:v="urn:schemas-microsoft-com:vml" Requires="v">
-                <p:oleObj spid="_x0000_s2062" r:id="rId3" imgW="6109317" imgH="5041024" progId="Visio.Drawing.11">
+                <p:oleObj spid="_x0000_s2063" r:id="rId3" imgW="6109317" imgH="5041024" progId="Visio.Drawing.11">
                   <p:embed/>
                 </p:oleObj>
               </mc:Choice>

--- a/JSP PPT/第01章 Web技术概述.pptx
+++ b/JSP PPT/第01章 Web技术概述.pptx
@@ -23275,7 +23275,7 @@
           <a:p>
             <a:fld id="{530820CF-B880-4189-942D-D702A7CBA730}" type="datetimeFigureOut">
               <a:rPr lang="zh-CN" altLang="en-US" smtClean="0"/>
-              <a:t>2019/6/27</a:t>
+              <a:t>2019/10/24</a:t>
             </a:fld>
             <a:endParaRPr lang="zh-CN" altLang="en-US"/>
           </a:p>
@@ -23440,7 +23440,7 @@
           <a:p>
             <a:fld id="{530820CF-B880-4189-942D-D702A7CBA730}" type="datetimeFigureOut">
               <a:rPr lang="zh-CN" altLang="en-US" smtClean="0"/>
-              <a:t>2019/6/27</a:t>
+              <a:t>2019/10/24</a:t>
             </a:fld>
             <a:endParaRPr lang="zh-CN" altLang="en-US"/>
           </a:p>
@@ -23615,7 +23615,7 @@
           <a:p>
             <a:fld id="{530820CF-B880-4189-942D-D702A7CBA730}" type="datetimeFigureOut">
               <a:rPr lang="zh-CN" altLang="en-US" smtClean="0"/>
-              <a:t>2019/6/27</a:t>
+              <a:t>2019/10/24</a:t>
             </a:fld>
             <a:endParaRPr lang="zh-CN" altLang="en-US"/>
           </a:p>
@@ -23798,7 +23798,7 @@
           <a:p>
             <a:fld id="{530820CF-B880-4189-942D-D702A7CBA730}" type="datetimeFigureOut">
               <a:rPr lang="zh-CN" altLang="en-US" smtClean="0"/>
-              <a:t>2019/6/27</a:t>
+              <a:t>2019/10/24</a:t>
             </a:fld>
             <a:endParaRPr lang="zh-CN" altLang="en-US"/>
           </a:p>
@@ -24060,7 +24060,7 @@
           <a:p>
             <a:fld id="{530820CF-B880-4189-942D-D702A7CBA730}" type="datetimeFigureOut">
               <a:rPr lang="zh-CN" altLang="en-US" smtClean="0"/>
-              <a:t>2019/6/27</a:t>
+              <a:t>2019/10/24</a:t>
             </a:fld>
             <a:endParaRPr lang="zh-CN" altLang="en-US"/>
           </a:p>
@@ -24408,7 +24408,7 @@
           <a:p>
             <a:fld id="{530820CF-B880-4189-942D-D702A7CBA730}" type="datetimeFigureOut">
               <a:rPr lang="zh-CN" altLang="en-US" smtClean="0"/>
-              <a:t>2019/6/27</a:t>
+              <a:t>2019/10/24</a:t>
             </a:fld>
             <a:endParaRPr lang="zh-CN" altLang="en-US"/>
           </a:p>
@@ -24716,7 +24716,7 @@
           <a:p>
             <a:fld id="{530820CF-B880-4189-942D-D702A7CBA730}" type="datetimeFigureOut">
               <a:rPr lang="zh-CN" altLang="en-US" smtClean="0"/>
-              <a:t>2019/6/27</a:t>
+              <a:t>2019/10/24</a:t>
             </a:fld>
             <a:endParaRPr lang="zh-CN" altLang="en-US"/>
           </a:p>
@@ -24943,7 +24943,7 @@
           <a:p>
             <a:fld id="{530820CF-B880-4189-942D-D702A7CBA730}" type="datetimeFigureOut">
               <a:rPr lang="zh-CN" altLang="en-US" smtClean="0"/>
-              <a:t>2019/6/27</a:t>
+              <a:t>2019/10/24</a:t>
             </a:fld>
             <a:endParaRPr lang="zh-CN" altLang="en-US"/>
           </a:p>
@@ -25033,7 +25033,7 @@
           <a:p>
             <a:fld id="{530820CF-B880-4189-942D-D702A7CBA730}" type="datetimeFigureOut">
               <a:rPr lang="zh-CN" altLang="en-US" smtClean="0"/>
-              <a:t>2019/6/27</a:t>
+              <a:t>2019/10/24</a:t>
             </a:fld>
             <a:endParaRPr lang="zh-CN" altLang="en-US"/>
           </a:p>
@@ -25321,7 +25321,7 @@
           <a:p>
             <a:fld id="{530820CF-B880-4189-942D-D702A7CBA730}" type="datetimeFigureOut">
               <a:rPr lang="zh-CN" altLang="en-US" smtClean="0"/>
-              <a:t>2019/6/27</a:t>
+              <a:t>2019/10/24</a:t>
             </a:fld>
             <a:endParaRPr lang="zh-CN" altLang="en-US"/>
           </a:p>
@@ -25590,7 +25590,7 @@
           <a:p>
             <a:fld id="{530820CF-B880-4189-942D-D702A7CBA730}" type="datetimeFigureOut">
               <a:rPr lang="zh-CN" altLang="en-US" smtClean="0"/>
-              <a:t>2019/6/27</a:t>
+              <a:t>2019/10/24</a:t>
             </a:fld>
             <a:endParaRPr lang="zh-CN" altLang="en-US"/>
           </a:p>
@@ -25800,7 +25800,7 @@
           <a:p>
             <a:fld id="{530820CF-B880-4189-942D-D702A7CBA730}" type="datetimeFigureOut">
               <a:rPr lang="zh-CN" altLang="en-US" smtClean="0"/>
-              <a:t>2019/6/27</a:t>
+              <a:t>2019/10/24</a:t>
             </a:fld>
             <a:endParaRPr lang="zh-CN" altLang="en-US"/>
           </a:p>
@@ -26339,18 +26339,11 @@
           <a:lstStyle/>
           <a:p>
             <a:r>
-              <a:rPr lang="en-US" altLang="zh-CN" sz="3600" dirty="0"/>
-              <a:t>《</a:t>
-            </a:r>
-            <a:r>
-              <a:rPr lang="zh-CN" altLang="en-US" sz="3600" dirty="0"/>
+              <a:rPr lang="zh-CN" altLang="en-US" sz="4400" dirty="0">
+                <a:latin typeface="+mj-ea"/>
+              </a:rPr>
               <a:t>商务网站设计与开发</a:t>
             </a:r>
-            <a:r>
-              <a:rPr lang="en-US" altLang="zh-CN" sz="3600" dirty="0"/>
-              <a:t>》</a:t>
-            </a:r>
-            <a:endParaRPr lang="zh-CN" altLang="en-US" sz="3600" dirty="0"/>
           </a:p>
         </p:txBody>
       </p:sp>
@@ -26364,27 +26357,56 @@
             <p:ph type="subTitle" idx="1"/>
           </p:nvPr>
         </p:nvSpPr>
-        <p:spPr/>
+        <p:spPr>
+          <a:xfrm>
+            <a:off x="1371600" y="3505072"/>
+            <a:ext cx="6400800" cy="596458"/>
+          </a:xfrm>
+        </p:spPr>
         <p:txBody>
           <a:bodyPr>
-            <a:normAutofit fontScale="77500" lnSpcReduction="20000"/>
+            <a:normAutofit/>
           </a:bodyPr>
           <a:lstStyle/>
           <a:p>
+            <a:pPr>
+              <a:spcBef>
+                <a:spcPct val="0"/>
+              </a:spcBef>
+            </a:pPr>
             <a:r>
-              <a:rPr lang="zh-CN" altLang="en-US" dirty="0"/>
-              <a:t>温浩宇  李慧</a:t>
+              <a:rPr lang="zh-CN" altLang="en-US" sz="3200" dirty="0">
+                <a:solidFill>
+                  <a:schemeClr val="tx2"/>
+                </a:solidFill>
+                <a:effectLst>
+                  <a:outerShdw blurRad="63500" dist="38100" dir="5400000" algn="t" rotWithShape="0">
+                    <a:prstClr val="black">
+                      <a:alpha val="25000"/>
+                    </a:prstClr>
+                  </a:outerShdw>
+                </a:effectLst>
+                <a:latin typeface="+mj-ea"/>
+                <a:ea typeface="+mj-ea"/>
+                <a:cs typeface="+mj-cs"/>
+              </a:rPr>
+              <a:t>温浩宇</a:t>
             </a:r>
-            <a:endParaRPr lang="en-US" altLang="zh-CN" dirty="0"/>
-          </a:p>
-          <a:p>
-            <a:endParaRPr lang="en-US" altLang="zh-CN" dirty="0"/>
-          </a:p>
-          <a:p>
-            <a:r>
-              <a:rPr lang="zh-CN" altLang="en-US" dirty="0"/>
-              <a:t>西安电子科技大学</a:t>
-            </a:r>
+            <a:endParaRPr lang="zh-CN" altLang="en-US" sz="3600" dirty="0">
+              <a:solidFill>
+                <a:schemeClr val="tx2"/>
+              </a:solidFill>
+              <a:effectLst>
+                <a:outerShdw blurRad="63500" dist="38100" dir="5400000" algn="t" rotWithShape="0">
+                  <a:prstClr val="black">
+                    <a:alpha val="25000"/>
+                  </a:prstClr>
+                </a:outerShdw>
+              </a:effectLst>
+              <a:latin typeface="+mj-ea"/>
+              <a:ea typeface="+mj-ea"/>
+              <a:cs typeface="+mj-cs"/>
+            </a:endParaRPr>
           </a:p>
         </p:txBody>
       </p:sp>
@@ -26411,7 +26433,7 @@
         </p:blipFill>
         <p:spPr bwMode="auto">
           <a:xfrm>
-            <a:off x="3440155" y="1723319"/>
+            <a:off x="3203848" y="2225080"/>
             <a:ext cx="792815" cy="1080120"/>
           </a:xfrm>
           <a:prstGeom prst="rect">
@@ -26452,7 +26474,7 @@
         </p:nvSpPr>
         <p:spPr>
           <a:xfrm>
-            <a:off x="683568" y="3003798"/>
+            <a:off x="685800" y="1428750"/>
             <a:ext cx="7772400" cy="596458"/>
           </a:xfrm>
           <a:prstGeom prst="rect">
@@ -26491,23 +26513,33 @@
           </a:lstStyle>
           <a:p>
             <a:r>
-              <a:rPr lang="zh-CN" altLang="en-US" sz="3600" dirty="0"/>
+              <a:rPr lang="zh-CN" altLang="en-US" sz="3200" dirty="0">
+                <a:latin typeface="+mj-ea"/>
+              </a:rPr>
               <a:t>第</a:t>
             </a:r>
             <a:r>
-              <a:rPr lang="en-US" altLang="zh-CN" sz="3600" dirty="0"/>
+              <a:rPr lang="en-US" altLang="zh-CN" sz="3200" dirty="0">
+                <a:latin typeface="+mj-ea"/>
+              </a:rPr>
               <a:t>1</a:t>
             </a:r>
             <a:r>
-              <a:rPr lang="zh-CN" altLang="en-US" sz="3600" dirty="0"/>
+              <a:rPr lang="zh-CN" altLang="en-US" sz="3200" dirty="0">
+                <a:latin typeface="+mj-ea"/>
+              </a:rPr>
               <a:t>章 </a:t>
             </a:r>
             <a:r>
-              <a:rPr lang="en-US" altLang="zh-CN" sz="3600" dirty="0"/>
+              <a:rPr lang="en-US" altLang="zh-CN" sz="3200" dirty="0">
+                <a:latin typeface="+mj-ea"/>
+              </a:rPr>
               <a:t>Web</a:t>
             </a:r>
             <a:r>
-              <a:rPr lang="zh-CN" altLang="en-US" sz="3600" dirty="0"/>
+              <a:rPr lang="zh-CN" altLang="en-US" sz="3200" dirty="0">
+                <a:latin typeface="+mj-ea"/>
+              </a:rPr>
               <a:t>技术概述</a:t>
             </a:r>
           </a:p>
@@ -26536,7 +26568,7 @@
         </p:blipFill>
         <p:spPr bwMode="auto">
           <a:xfrm>
-            <a:off x="4860032" y="1636161"/>
+            <a:off x="4788024" y="2137922"/>
             <a:ext cx="1254435" cy="1254435"/>
           </a:xfrm>
           <a:prstGeom prst="rect">
@@ -26554,6 +26586,215 @@
           </a:extLst>
         </p:spPr>
       </p:pic>
+      <p:sp>
+        <p:nvSpPr>
+          <p:cNvPr id="7" name="副标题 2">
+            <a:extLst>
+              <a:ext uri="{FF2B5EF4-FFF2-40B4-BE49-F238E27FC236}">
+                <a16:creationId xmlns:a16="http://schemas.microsoft.com/office/drawing/2014/main" id="{296EDD28-06E0-492C-9E99-363D4AA97087}"/>
+              </a:ext>
+            </a:extLst>
+          </p:cNvPr>
+          <p:cNvSpPr txBox="1">
+            <a:spLocks/>
+          </p:cNvSpPr>
+          <p:nvPr/>
+        </p:nvSpPr>
+        <p:spPr>
+          <a:xfrm>
+            <a:off x="1371600" y="4169278"/>
+            <a:ext cx="6400800" cy="641426"/>
+          </a:xfrm>
+          <a:prstGeom prst="rect">
+            <a:avLst/>
+          </a:prstGeom>
+        </p:spPr>
+        <p:txBody>
+          <a:bodyPr vert="horz" lIns="91440" tIns="45720" rIns="91440" bIns="45720" rtlCol="0">
+            <a:normAutofit/>
+          </a:bodyPr>
+          <a:lstStyle>
+            <a:lvl1pPr marL="0" indent="0" algn="ctr" defTabSz="914400" rtl="0" eaLnBrk="1" latinLnBrk="0" hangingPunct="1">
+              <a:spcBef>
+                <a:spcPct val="20000"/>
+              </a:spcBef>
+              <a:buFont typeface="Arial" pitchFamily="34" charset="0"/>
+              <a:buNone/>
+              <a:defRPr sz="2400" kern="1200">
+                <a:solidFill>
+                  <a:schemeClr val="tx1">
+                    <a:tint val="75000"/>
+                  </a:schemeClr>
+                </a:solidFill>
+                <a:latin typeface="+mj-lt"/>
+                <a:ea typeface="+mn-ea"/>
+                <a:cs typeface="+mn-cs"/>
+              </a:defRPr>
+            </a:lvl1pPr>
+            <a:lvl2pPr marL="457200" indent="0" algn="ctr" defTabSz="914400" rtl="0" eaLnBrk="1" latinLnBrk="0" hangingPunct="1">
+              <a:spcBef>
+                <a:spcPct val="20000"/>
+              </a:spcBef>
+              <a:buFont typeface="Courier New" pitchFamily="49" charset="0"/>
+              <a:buNone/>
+              <a:defRPr sz="1600" kern="1200">
+                <a:solidFill>
+                  <a:schemeClr val="tx1">
+                    <a:tint val="75000"/>
+                  </a:schemeClr>
+                </a:solidFill>
+                <a:latin typeface="+mj-lt"/>
+                <a:ea typeface="+mn-ea"/>
+                <a:cs typeface="+mn-cs"/>
+              </a:defRPr>
+            </a:lvl2pPr>
+            <a:lvl3pPr marL="914400" indent="0" algn="ctr" defTabSz="914400" rtl="0" eaLnBrk="1" latinLnBrk="0" hangingPunct="1">
+              <a:spcBef>
+                <a:spcPct val="20000"/>
+              </a:spcBef>
+              <a:buFont typeface="Arial" pitchFamily="34" charset="0"/>
+              <a:buNone/>
+              <a:defRPr sz="1600" kern="1200">
+                <a:solidFill>
+                  <a:schemeClr val="tx1">
+                    <a:tint val="75000"/>
+                  </a:schemeClr>
+                </a:solidFill>
+                <a:latin typeface="+mj-lt"/>
+                <a:ea typeface="+mn-ea"/>
+                <a:cs typeface="+mn-cs"/>
+              </a:defRPr>
+            </a:lvl3pPr>
+            <a:lvl4pPr marL="1371600" indent="0" algn="ctr" defTabSz="914400" rtl="0" eaLnBrk="1" latinLnBrk="0" hangingPunct="1">
+              <a:spcBef>
+                <a:spcPct val="20000"/>
+              </a:spcBef>
+              <a:buFont typeface="Courier New" pitchFamily="49" charset="0"/>
+              <a:buNone/>
+              <a:defRPr sz="1600" kern="1200">
+                <a:solidFill>
+                  <a:schemeClr val="tx1">
+                    <a:tint val="75000"/>
+                  </a:schemeClr>
+                </a:solidFill>
+                <a:latin typeface="+mj-lt"/>
+                <a:ea typeface="+mn-ea"/>
+                <a:cs typeface="+mn-cs"/>
+              </a:defRPr>
+            </a:lvl4pPr>
+            <a:lvl5pPr marL="1828800" indent="0" algn="ctr" defTabSz="914400" rtl="0" eaLnBrk="1" latinLnBrk="0" hangingPunct="1">
+              <a:spcBef>
+                <a:spcPct val="20000"/>
+              </a:spcBef>
+              <a:buFont typeface="Arial" pitchFamily="34" charset="0"/>
+              <a:buNone/>
+              <a:defRPr sz="1600" kern="1200">
+                <a:solidFill>
+                  <a:schemeClr val="tx1">
+                    <a:tint val="75000"/>
+                  </a:schemeClr>
+                </a:solidFill>
+                <a:latin typeface="+mj-lt"/>
+                <a:ea typeface="+mn-ea"/>
+                <a:cs typeface="+mn-cs"/>
+              </a:defRPr>
+            </a:lvl5pPr>
+            <a:lvl6pPr marL="2286000" indent="0" algn="ctr" defTabSz="914400" rtl="0" eaLnBrk="1" latinLnBrk="0" hangingPunct="1">
+              <a:spcBef>
+                <a:spcPct val="20000"/>
+              </a:spcBef>
+              <a:buFont typeface="Courier New" pitchFamily="49" charset="0"/>
+              <a:buNone/>
+              <a:defRPr sz="1600" kern="1200">
+                <a:solidFill>
+                  <a:schemeClr val="tx1">
+                    <a:tint val="75000"/>
+                  </a:schemeClr>
+                </a:solidFill>
+                <a:latin typeface="+mj-lt"/>
+                <a:ea typeface="+mn-ea"/>
+                <a:cs typeface="+mn-cs"/>
+              </a:defRPr>
+            </a:lvl6pPr>
+            <a:lvl7pPr marL="2743200" indent="0" algn="ctr" defTabSz="914400" rtl="0" eaLnBrk="1" latinLnBrk="0" hangingPunct="1">
+              <a:spcBef>
+                <a:spcPct val="20000"/>
+              </a:spcBef>
+              <a:buFont typeface="Arial" pitchFamily="34" charset="0"/>
+              <a:buNone/>
+              <a:defRPr sz="1600" kern="1200">
+                <a:solidFill>
+                  <a:schemeClr val="tx1">
+                    <a:tint val="75000"/>
+                  </a:schemeClr>
+                </a:solidFill>
+                <a:latin typeface="+mj-lt"/>
+                <a:ea typeface="+mn-ea"/>
+                <a:cs typeface="+mn-cs"/>
+              </a:defRPr>
+            </a:lvl7pPr>
+            <a:lvl8pPr marL="3200400" indent="0" algn="ctr" defTabSz="914400" rtl="0" eaLnBrk="1" latinLnBrk="0" hangingPunct="1">
+              <a:spcBef>
+                <a:spcPct val="20000"/>
+              </a:spcBef>
+              <a:buFont typeface="Courier New" pitchFamily="49" charset="0"/>
+              <a:buNone/>
+              <a:defRPr sz="1600" kern="1200">
+                <a:solidFill>
+                  <a:schemeClr val="tx1">
+                    <a:tint val="75000"/>
+                  </a:schemeClr>
+                </a:solidFill>
+                <a:latin typeface="+mj-lt"/>
+                <a:ea typeface="+mn-ea"/>
+                <a:cs typeface="+mn-cs"/>
+              </a:defRPr>
+            </a:lvl8pPr>
+            <a:lvl9pPr marL="3657600" indent="0" algn="ctr" defTabSz="914400" rtl="0" eaLnBrk="1" latinLnBrk="0" hangingPunct="1">
+              <a:spcBef>
+                <a:spcPct val="20000"/>
+              </a:spcBef>
+              <a:buFont typeface="Arial" pitchFamily="34" charset="0"/>
+              <a:buNone/>
+              <a:defRPr sz="1600" kern="1200">
+                <a:solidFill>
+                  <a:schemeClr val="tx1">
+                    <a:tint val="75000"/>
+                  </a:schemeClr>
+                </a:solidFill>
+                <a:latin typeface="+mj-lt"/>
+                <a:ea typeface="+mn-ea"/>
+                <a:cs typeface="+mn-cs"/>
+              </a:defRPr>
+            </a:lvl9pPr>
+          </a:lstStyle>
+          <a:p>
+            <a:pPr>
+              <a:spcBef>
+                <a:spcPct val="0"/>
+              </a:spcBef>
+            </a:pPr>
+            <a:r>
+              <a:rPr lang="zh-CN" altLang="en-US" sz="3600" dirty="0">
+                <a:solidFill>
+                  <a:schemeClr val="tx2"/>
+                </a:solidFill>
+                <a:effectLst>
+                  <a:outerShdw blurRad="63500" dist="38100" dir="5400000" algn="t" rotWithShape="0">
+                    <a:prstClr val="black">
+                      <a:alpha val="25000"/>
+                    </a:prstClr>
+                  </a:outerShdw>
+                </a:effectLst>
+                <a:latin typeface="+mj-ea"/>
+                <a:ea typeface="+mj-ea"/>
+                <a:cs typeface="+mj-cs"/>
+              </a:rPr>
+              <a:t>西安电子科技大学</a:t>
+            </a:r>
+          </a:p>
+        </p:txBody>
+      </p:sp>
     </p:spTree>
     <p:extLst>
       <p:ext uri="{BB962C8B-B14F-4D97-AF65-F5344CB8AC3E}">
@@ -26978,7 +27219,9 @@
           <a:p>
             <a:pPr algn="l"/>
             <a:r>
-              <a:rPr lang="zh-CN" altLang="en-US" dirty="0"/>
+              <a:rPr lang="zh-CN" altLang="en-US" dirty="0">
+                <a:latin typeface="+mj-ea"/>
+              </a:rPr>
               <a:t>内容</a:t>
             </a:r>
           </a:p>
@@ -26994,7 +27237,7 @@
             <p:ph idx="1"/>
             <p:extLst>
               <p:ext uri="{D42A27DB-BD31-4B8C-83A1-F6EECF244321}">
-                <p14:modId xmlns:p14="http://schemas.microsoft.com/office/powerpoint/2010/main" val="4133891381"/>
+                <p14:modId xmlns:p14="http://schemas.microsoft.com/office/powerpoint/2010/main" val="1878847349"/>
               </p:ext>
             </p:extLst>
           </p:nvPr>
@@ -27541,7 +27784,7 @@
           <a:graphicData uri="http://schemas.openxmlformats.org/presentationml/2006/ole">
             <mc:AlternateContent xmlns:mc="http://schemas.openxmlformats.org/markup-compatibility/2006">
               <mc:Choice xmlns:v="urn:schemas-microsoft-com:vml" Requires="v">
-                <p:oleObj spid="_x0000_s2063" r:id="rId3" imgW="6109317" imgH="5041024" progId="Visio.Drawing.11">
+                <p:oleObj spid="_x0000_s2067" r:id="rId3" imgW="6109317" imgH="5041024" progId="Visio.Drawing.11">
                   <p:embed/>
                 </p:oleObj>
               </mc:Choice>
